--- a/presentation/Final presentation of Deriving new use cases based on link prediction algorithm for FG AN use cases.pptx
+++ b/presentation/Final presentation of Deriving new use cases based on link prediction algorithm for FG AN use cases.pptx
@@ -821,7 +821,7 @@
   <p:cSld>
     <p:spTree>
       <p:nvGrpSpPr>
-        <p:cNvPr id="184" name="Shape 184"/>
+        <p:cNvPr id="203" name="Shape 203"/>
         <p:cNvGrpSpPr/>
         <p:nvPr/>
       </p:nvGrpSpPr>
@@ -835,7 +835,7 @@
       </p:grpSpPr>
       <p:sp>
         <p:nvSpPr>
-          <p:cNvPr id="185" name="Google Shape;185;g194805ed945_0_108:notes"/>
+          <p:cNvPr id="204" name="Google Shape;204;g194805ed945_0_108:notes"/>
           <p:cNvSpPr/>
           <p:nvPr>
             <p:ph idx="2" type="sldImg"/>
@@ -870,7 +870,7 @@
       </p:sp>
       <p:sp>
         <p:nvSpPr>
-          <p:cNvPr id="186" name="Google Shape;186;g194805ed945_0_108:notes"/>
+          <p:cNvPr id="205" name="Google Shape;205;g194805ed945_0_108:notes"/>
           <p:cNvSpPr txBox="1"/>
           <p:nvPr>
             <p:ph idx="1" type="body"/>
@@ -920,7 +920,7 @@
   <p:cSld>
     <p:spTree>
       <p:nvGrpSpPr>
-        <p:cNvPr id="190" name="Shape 190"/>
+        <p:cNvPr id="209" name="Shape 209"/>
         <p:cNvGrpSpPr/>
         <p:nvPr/>
       </p:nvGrpSpPr>
@@ -934,7 +934,7 @@
       </p:grpSpPr>
       <p:sp>
         <p:nvSpPr>
-          <p:cNvPr id="191" name="Google Shape;191;g194805ed945_0_248:notes"/>
+          <p:cNvPr id="210" name="Google Shape;210;g194805ed945_0_248:notes"/>
           <p:cNvSpPr/>
           <p:nvPr>
             <p:ph idx="2" type="sldImg"/>
@@ -969,7 +969,7 @@
       </p:sp>
       <p:sp>
         <p:nvSpPr>
-          <p:cNvPr id="192" name="Google Shape;192;g194805ed945_0_248:notes"/>
+          <p:cNvPr id="211" name="Google Shape;211;g194805ed945_0_248:notes"/>
           <p:cNvSpPr txBox="1"/>
           <p:nvPr>
             <p:ph idx="1" type="body"/>
@@ -1217,7 +1217,7 @@
   <p:cSld>
     <p:spTree>
       <p:nvGrpSpPr>
-        <p:cNvPr id="81" name="Shape 81"/>
+        <p:cNvPr id="88" name="Shape 88"/>
         <p:cNvGrpSpPr/>
         <p:nvPr/>
       </p:nvGrpSpPr>
@@ -1231,7 +1231,7 @@
       </p:grpSpPr>
       <p:sp>
         <p:nvSpPr>
-          <p:cNvPr id="82" name="Google Shape;82;g194805ed945_0_11:notes"/>
+          <p:cNvPr id="89" name="Google Shape;89;g194805ed945_0_11:notes"/>
           <p:cNvSpPr/>
           <p:nvPr>
             <p:ph idx="2" type="sldImg"/>
@@ -1266,7 +1266,7 @@
       </p:sp>
       <p:sp>
         <p:nvSpPr>
-          <p:cNvPr id="83" name="Google Shape;83;g194805ed945_0_11:notes"/>
+          <p:cNvPr id="90" name="Google Shape;90;g194805ed945_0_11:notes"/>
           <p:cNvSpPr txBox="1"/>
           <p:nvPr>
             <p:ph idx="1" type="body"/>
@@ -1316,7 +1316,7 @@
   <p:cSld>
     <p:spTree>
       <p:nvGrpSpPr>
-        <p:cNvPr id="87" name="Shape 87"/>
+        <p:cNvPr id="106" name="Shape 106"/>
         <p:cNvGrpSpPr/>
         <p:nvPr/>
       </p:nvGrpSpPr>
@@ -1330,7 +1330,7 @@
       </p:grpSpPr>
       <p:sp>
         <p:nvSpPr>
-          <p:cNvPr id="88" name="Google Shape;88;g194805ed945_0_16:notes"/>
+          <p:cNvPr id="107" name="Google Shape;107;g194805ed945_0_16:notes"/>
           <p:cNvSpPr/>
           <p:nvPr>
             <p:ph idx="2" type="sldImg"/>
@@ -1365,7 +1365,7 @@
       </p:sp>
       <p:sp>
         <p:nvSpPr>
-          <p:cNvPr id="89" name="Google Shape;89;g194805ed945_0_16:notes"/>
+          <p:cNvPr id="108" name="Google Shape;108;g194805ed945_0_16:notes"/>
           <p:cNvSpPr txBox="1"/>
           <p:nvPr>
             <p:ph idx="1" type="body"/>
@@ -1415,7 +1415,7 @@
   <p:cSld>
     <p:spTree>
       <p:nvGrpSpPr>
-        <p:cNvPr id="112" name="Shape 112"/>
+        <p:cNvPr id="131" name="Shape 131"/>
         <p:cNvGrpSpPr/>
         <p:nvPr/>
       </p:nvGrpSpPr>
@@ -1429,7 +1429,7 @@
       </p:grpSpPr>
       <p:sp>
         <p:nvSpPr>
-          <p:cNvPr id="113" name="Google Shape;113;g194805ed945_0_44:notes"/>
+          <p:cNvPr id="132" name="Google Shape;132;g194805ed945_0_44:notes"/>
           <p:cNvSpPr/>
           <p:nvPr>
             <p:ph idx="2" type="sldImg"/>
@@ -1464,7 +1464,7 @@
       </p:sp>
       <p:sp>
         <p:nvSpPr>
-          <p:cNvPr id="114" name="Google Shape;114;g194805ed945_0_44:notes"/>
+          <p:cNvPr id="133" name="Google Shape;133;g194805ed945_0_44:notes"/>
           <p:cNvSpPr txBox="1"/>
           <p:nvPr>
             <p:ph idx="1" type="body"/>
@@ -1514,7 +1514,7 @@
   <p:cSld>
     <p:spTree>
       <p:nvGrpSpPr>
-        <p:cNvPr id="135" name="Shape 135"/>
+        <p:cNvPr id="154" name="Shape 154"/>
         <p:cNvGrpSpPr/>
         <p:nvPr/>
       </p:nvGrpSpPr>
@@ -1528,7 +1528,7 @@
       </p:grpSpPr>
       <p:sp>
         <p:nvSpPr>
-          <p:cNvPr id="136" name="Google Shape;136;g194805ed945_0_70:notes"/>
+          <p:cNvPr id="155" name="Google Shape;155;g194805ed945_0_70:notes"/>
           <p:cNvSpPr/>
           <p:nvPr>
             <p:ph idx="2" type="sldImg"/>
@@ -1563,7 +1563,7 @@
       </p:sp>
       <p:sp>
         <p:nvSpPr>
-          <p:cNvPr id="137" name="Google Shape;137;g194805ed945_0_70:notes"/>
+          <p:cNvPr id="156" name="Google Shape;156;g194805ed945_0_70:notes"/>
           <p:cNvSpPr txBox="1"/>
           <p:nvPr>
             <p:ph idx="1" type="body"/>
@@ -1613,7 +1613,7 @@
   <p:cSld>
     <p:spTree>
       <p:nvGrpSpPr>
-        <p:cNvPr id="156" name="Shape 156"/>
+        <p:cNvPr id="175" name="Shape 175"/>
         <p:cNvGrpSpPr/>
         <p:nvPr/>
       </p:nvGrpSpPr>
@@ -1627,7 +1627,7 @@
       </p:grpSpPr>
       <p:sp>
         <p:nvSpPr>
-          <p:cNvPr id="157" name="Google Shape;157;g194805ed945_0_98:notes"/>
+          <p:cNvPr id="176" name="Google Shape;176;g194805ed945_0_98:notes"/>
           <p:cNvSpPr/>
           <p:nvPr>
             <p:ph idx="2" type="sldImg"/>
@@ -1662,7 +1662,7 @@
       </p:sp>
       <p:sp>
         <p:nvSpPr>
-          <p:cNvPr id="158" name="Google Shape;158;g194805ed945_0_98:notes"/>
+          <p:cNvPr id="177" name="Google Shape;177;g194805ed945_0_98:notes"/>
           <p:cNvSpPr txBox="1"/>
           <p:nvPr>
             <p:ph idx="1" type="body"/>
@@ -1712,7 +1712,7 @@
   <p:cSld>
     <p:spTree>
       <p:nvGrpSpPr>
-        <p:cNvPr id="169" name="Shape 169"/>
+        <p:cNvPr id="188" name="Shape 188"/>
         <p:cNvGrpSpPr/>
         <p:nvPr/>
       </p:nvGrpSpPr>
@@ -1726,7 +1726,7 @@
       </p:grpSpPr>
       <p:sp>
         <p:nvSpPr>
-          <p:cNvPr id="170" name="Google Shape;170;g194805ed945_0_103:notes"/>
+          <p:cNvPr id="189" name="Google Shape;189;g194805ed945_0_103:notes"/>
           <p:cNvSpPr/>
           <p:nvPr>
             <p:ph idx="2" type="sldImg"/>
@@ -1761,7 +1761,7 @@
       </p:sp>
       <p:sp>
         <p:nvSpPr>
-          <p:cNvPr id="171" name="Google Shape;171;g194805ed945_0_103:notes"/>
+          <p:cNvPr id="190" name="Google Shape;190;g194805ed945_0_103:notes"/>
           <p:cNvSpPr txBox="1"/>
           <p:nvPr>
             <p:ph idx="1" type="body"/>
@@ -7767,6 +7767,15 @@
                 <a:cs typeface="Maven Pro"/>
                 <a:sym typeface="Maven Pro"/>
               </a:rPr>
+              <a:t>Build-a-thon: </a:t>
+            </a:r>
+            <a:r>
+              <a:rPr b="1" lang="en" sz="3600">
+                <a:latin typeface="Maven Pro"/>
+                <a:ea typeface="Maven Pro"/>
+                <a:cs typeface="Maven Pro"/>
+                <a:sym typeface="Maven Pro"/>
+              </a:rPr>
               <a:t>Demo of Deriving new use cases based on link prediction algorithm for FG AN use cases</a:t>
             </a:r>
             <a:endParaRPr/>
@@ -7924,7 +7933,7 @@
   <p:cSld>
     <p:spTree>
       <p:nvGrpSpPr>
-        <p:cNvPr id="187" name="Shape 187"/>
+        <p:cNvPr id="206" name="Shape 206"/>
         <p:cNvGrpSpPr/>
         <p:nvPr/>
       </p:nvGrpSpPr>
@@ -7938,7 +7947,7 @@
       </p:grpSpPr>
       <p:sp>
         <p:nvSpPr>
-          <p:cNvPr id="188" name="Google Shape;188;p22"/>
+          <p:cNvPr id="207" name="Google Shape;207;p22"/>
           <p:cNvSpPr txBox="1"/>
           <p:nvPr>
             <p:ph type="title"/>
@@ -7982,7 +7991,7 @@
       </p:sp>
       <p:sp>
         <p:nvSpPr>
-          <p:cNvPr id="189" name="Google Shape;189;p22"/>
+          <p:cNvPr id="208" name="Google Shape;208;p22"/>
           <p:cNvSpPr txBox="1"/>
           <p:nvPr>
             <p:ph idx="1" type="body"/>
@@ -7999,7 +8008,7 @@
         </p:spPr>
         <p:txBody>
           <a:bodyPr anchorCtr="0" anchor="t" bIns="91425" lIns="91425" spcFirstLastPara="1" rIns="91425" wrap="square" tIns="91425">
-            <a:normAutofit fontScale="92500" lnSpcReduction="10000"/>
+            <a:normAutofit fontScale="92500" lnSpcReduction="20000"/>
           </a:bodyPr>
           <a:lstStyle/>
           <a:p>
@@ -8160,6 +8169,34 @@
                 </a:solidFill>
               </a:rPr>
               <a:t>[Next Step] May use Other Graph Algorithms.</a:t>
+            </a:r>
+            <a:endParaRPr>
+              <a:solidFill>
+                <a:schemeClr val="dk1"/>
+              </a:solidFill>
+            </a:endParaRPr>
+          </a:p>
+          <a:p>
+            <a:pPr indent="-334327" lvl="0" marL="457200" rtl="0" algn="l">
+              <a:spcBef>
+                <a:spcPts val="0"/>
+              </a:spcBef>
+              <a:spcAft>
+                <a:spcPts val="0"/>
+              </a:spcAft>
+              <a:buClr>
+                <a:schemeClr val="dk1"/>
+              </a:buClr>
+              <a:buSzPct val="100000"/>
+              <a:buChar char="-"/>
+            </a:pPr>
+            <a:r>
+              <a:rPr lang="en">
+                <a:solidFill>
+                  <a:schemeClr val="dk1"/>
+                </a:solidFill>
+              </a:rPr>
+              <a:t>[Next Step] Use Other ways to represent the graph network i.e. Networkx library.</a:t>
             </a:r>
             <a:endParaRPr>
               <a:solidFill>
@@ -8210,7 +8247,7 @@
   <p:cSld>
     <p:spTree>
       <p:nvGrpSpPr>
-        <p:cNvPr id="193" name="Shape 193"/>
+        <p:cNvPr id="212" name="Shape 212"/>
         <p:cNvGrpSpPr/>
         <p:nvPr/>
       </p:nvGrpSpPr>
@@ -8224,7 +8261,7 @@
       </p:grpSpPr>
       <p:pic>
         <p:nvPicPr>
-          <p:cNvPr id="194" name="Google Shape;194;p23"/>
+          <p:cNvPr id="213" name="Google Shape;213;p23"/>
           <p:cNvPicPr preferRelativeResize="0"/>
           <p:nvPr/>
         </p:nvPicPr>
@@ -8517,7 +8554,7 @@
         <p:spPr>
           <a:xfrm>
             <a:off x="471900" y="1919075"/>
-            <a:ext cx="8222100" cy="2710200"/>
+            <a:ext cx="4747800" cy="2710200"/>
           </a:xfrm>
           <a:prstGeom prst="rect">
             <a:avLst/>
@@ -8525,23 +8562,27 @@
         </p:spPr>
         <p:txBody>
           <a:bodyPr anchorCtr="0" anchor="t" bIns="91425" lIns="91425" spcFirstLastPara="1" rIns="91425" wrap="square" tIns="91425">
-            <a:normAutofit/>
+            <a:normAutofit fontScale="92500" lnSpcReduction="20000"/>
           </a:bodyPr>
           <a:lstStyle/>
           <a:p>
-            <a:pPr indent="-342900" lvl="0" marL="457200" rtl="0" algn="l">
-              <a:spcBef>
-                <a:spcPts val="0"/>
-              </a:spcBef>
-              <a:spcAft>
-                <a:spcPts val="0"/>
-              </a:spcAft>
-              <a:buSzPts val="1800"/>
+            <a:pPr indent="-334327" lvl="0" marL="457200" rtl="0" algn="l">
+              <a:spcBef>
+                <a:spcPts val="0"/>
+              </a:spcBef>
+              <a:spcAft>
+                <a:spcPts val="0"/>
+              </a:spcAft>
+              <a:buSzPct val="100000"/>
               <a:buChar char="-"/>
             </a:pPr>
             <a:r>
               <a:rPr lang="en"/>
-              <a:t>AN has gained a lot of reputation and </a:t>
+              <a:t>Autonomous</a:t>
+            </a:r>
+            <a:r>
+              <a:rPr lang="en"/>
+              <a:t> Networks has gained a lot of reputation and </a:t>
             </a:r>
             <a:r>
               <a:rPr lang="en"/>
@@ -8554,14 +8595,14 @@
             <a:endParaRPr/>
           </a:p>
           <a:p>
-            <a:pPr indent="-342900" lvl="0" marL="457200" rtl="0" algn="l">
-              <a:spcBef>
-                <a:spcPts val="0"/>
-              </a:spcBef>
-              <a:spcAft>
-                <a:spcPts val="0"/>
-              </a:spcAft>
-              <a:buSzPts val="1800"/>
+            <a:pPr indent="-334327" lvl="0" marL="457200" rtl="0" algn="l">
+              <a:spcBef>
+                <a:spcPts val="0"/>
+              </a:spcBef>
+              <a:spcAft>
+                <a:spcPts val="0"/>
+              </a:spcAft>
+              <a:buSzPct val="100000"/>
               <a:buChar char="-"/>
             </a:pPr>
             <a:r>
@@ -8571,14 +8612,14 @@
             <a:endParaRPr/>
           </a:p>
           <a:p>
-            <a:pPr indent="-342900" lvl="0" marL="457200" rtl="0" algn="l">
-              <a:spcBef>
-                <a:spcPts val="0"/>
-              </a:spcBef>
-              <a:spcAft>
-                <a:spcPts val="0"/>
-              </a:spcAft>
-              <a:buSzPts val="1800"/>
+            <a:pPr indent="-334327" lvl="0" marL="457200" rtl="0" algn="l">
+              <a:spcBef>
+                <a:spcPts val="0"/>
+              </a:spcBef>
+              <a:spcAft>
+                <a:spcPts val="0"/>
+              </a:spcAft>
+              <a:buSzPct val="100000"/>
               <a:buChar char="-"/>
             </a:pPr>
             <a:r>
@@ -8601,6 +8642,295 @@
           </a:p>
         </p:txBody>
       </p:sp>
+      <p:sp>
+        <p:nvSpPr>
+          <p:cNvPr id="81" name="Google Shape;81;p15"/>
+          <p:cNvSpPr/>
+          <p:nvPr/>
+        </p:nvSpPr>
+        <p:spPr>
+          <a:xfrm>
+            <a:off x="5828575" y="2887075"/>
+            <a:ext cx="771600" cy="522000"/>
+          </a:xfrm>
+          <a:prstGeom prst="ellipse">
+            <a:avLst/>
+          </a:prstGeom>
+          <a:solidFill>
+            <a:schemeClr val="lt2"/>
+          </a:solidFill>
+          <a:ln cap="flat" cmpd="sng" w="9525">
+            <a:solidFill>
+              <a:schemeClr val="dk2"/>
+            </a:solidFill>
+            <a:prstDash val="solid"/>
+            <a:round/>
+            <a:headEnd len="sm" w="sm" type="none"/>
+            <a:tailEnd len="sm" w="sm" type="none"/>
+          </a:ln>
+        </p:spPr>
+        <p:txBody>
+          <a:bodyPr anchorCtr="0" anchor="ctr" bIns="91425" lIns="91425" spcFirstLastPara="1" rIns="91425" wrap="square" tIns="91425">
+            <a:noAutofit/>
+          </a:bodyPr>
+          <a:lstStyle/>
+          <a:p>
+            <a:pPr indent="0" lvl="0" marL="0" rtl="0" algn="l">
+              <a:spcBef>
+                <a:spcPts val="0"/>
+              </a:spcBef>
+              <a:spcAft>
+                <a:spcPts val="0"/>
+              </a:spcAft>
+              <a:buNone/>
+            </a:pPr>
+            <a:r>
+              <a:rPr lang="en"/>
+              <a:t>src</a:t>
+            </a:r>
+            <a:endParaRPr/>
+          </a:p>
+        </p:txBody>
+      </p:sp>
+      <p:sp>
+        <p:nvSpPr>
+          <p:cNvPr id="82" name="Google Shape;82;p15"/>
+          <p:cNvSpPr/>
+          <p:nvPr/>
+        </p:nvSpPr>
+        <p:spPr>
+          <a:xfrm>
+            <a:off x="6872575" y="2142125"/>
+            <a:ext cx="630600" cy="522000"/>
+          </a:xfrm>
+          <a:prstGeom prst="ellipse">
+            <a:avLst/>
+          </a:prstGeom>
+          <a:solidFill>
+            <a:schemeClr val="lt2"/>
+          </a:solidFill>
+          <a:ln cap="flat" cmpd="sng" w="9525">
+            <a:solidFill>
+              <a:schemeClr val="dk2"/>
+            </a:solidFill>
+            <a:prstDash val="solid"/>
+            <a:round/>
+            <a:headEnd len="sm" w="sm" type="none"/>
+            <a:tailEnd len="sm" w="sm" type="none"/>
+          </a:ln>
+        </p:spPr>
+        <p:txBody>
+          <a:bodyPr anchorCtr="0" anchor="ctr" bIns="91425" lIns="91425" spcFirstLastPara="1" rIns="91425" wrap="square" tIns="91425">
+            <a:noAutofit/>
+          </a:bodyPr>
+          <a:lstStyle/>
+          <a:p>
+            <a:pPr indent="0" lvl="0" marL="0" rtl="0" algn="l">
+              <a:spcBef>
+                <a:spcPts val="0"/>
+              </a:spcBef>
+              <a:spcAft>
+                <a:spcPts val="0"/>
+              </a:spcAft>
+              <a:buNone/>
+            </a:pPr>
+            <a:r>
+              <a:rPr lang="en"/>
+              <a:t>ML</a:t>
+            </a:r>
+            <a:endParaRPr/>
+          </a:p>
+        </p:txBody>
+      </p:sp>
+      <p:sp>
+        <p:nvSpPr>
+          <p:cNvPr id="83" name="Google Shape;83;p15"/>
+          <p:cNvSpPr/>
+          <p:nvPr/>
+        </p:nvSpPr>
+        <p:spPr>
+          <a:xfrm>
+            <a:off x="7775575" y="2868025"/>
+            <a:ext cx="771600" cy="522000"/>
+          </a:xfrm>
+          <a:prstGeom prst="ellipse">
+            <a:avLst/>
+          </a:prstGeom>
+          <a:solidFill>
+            <a:schemeClr val="lt2"/>
+          </a:solidFill>
+          <a:ln cap="flat" cmpd="sng" w="9525">
+            <a:solidFill>
+              <a:schemeClr val="dk2"/>
+            </a:solidFill>
+            <a:prstDash val="solid"/>
+            <a:round/>
+            <a:headEnd len="sm" w="sm" type="none"/>
+            <a:tailEnd len="sm" w="sm" type="none"/>
+          </a:ln>
+        </p:spPr>
+        <p:txBody>
+          <a:bodyPr anchorCtr="0" anchor="ctr" bIns="91425" lIns="91425" spcFirstLastPara="1" rIns="91425" wrap="square" tIns="91425">
+            <a:noAutofit/>
+          </a:bodyPr>
+          <a:lstStyle/>
+          <a:p>
+            <a:pPr indent="0" lvl="0" marL="0" rtl="0" algn="l">
+              <a:spcBef>
+                <a:spcPts val="0"/>
+              </a:spcBef>
+              <a:spcAft>
+                <a:spcPts val="0"/>
+              </a:spcAft>
+              <a:buNone/>
+            </a:pPr>
+            <a:r>
+              <a:rPr lang="en"/>
+              <a:t>sink</a:t>
+            </a:r>
+            <a:endParaRPr/>
+          </a:p>
+        </p:txBody>
+      </p:sp>
+      <p:cxnSp>
+        <p:nvCxnSpPr>
+          <p:cNvPr id="84" name="Google Shape;84;p15"/>
+          <p:cNvCxnSpPr>
+            <a:stCxn id="81" idx="7"/>
+            <a:endCxn id="82" idx="3"/>
+          </p:cNvCxnSpPr>
+          <p:nvPr/>
+        </p:nvCxnSpPr>
+        <p:spPr>
+          <a:xfrm flipH="1" rot="10800000">
+            <a:off x="6487177" y="2587620"/>
+            <a:ext cx="477600" cy="375900"/>
+          </a:xfrm>
+          <a:prstGeom prst="straightConnector1">
+            <a:avLst/>
+          </a:prstGeom>
+          <a:noFill/>
+          <a:ln cap="flat" cmpd="sng" w="9525">
+            <a:solidFill>
+              <a:schemeClr val="dk2"/>
+            </a:solidFill>
+            <a:prstDash val="solid"/>
+            <a:round/>
+            <a:headEnd len="med" w="med" type="none"/>
+            <a:tailEnd len="med" w="med" type="none"/>
+          </a:ln>
+        </p:spPr>
+      </p:cxnSp>
+      <p:cxnSp>
+        <p:nvCxnSpPr>
+          <p:cNvPr id="85" name="Google Shape;85;p15"/>
+          <p:cNvCxnSpPr>
+            <a:stCxn id="82" idx="5"/>
+            <a:endCxn id="83" idx="1"/>
+          </p:cNvCxnSpPr>
+          <p:nvPr/>
+        </p:nvCxnSpPr>
+        <p:spPr>
+          <a:xfrm>
+            <a:off x="7410826" y="2587680"/>
+            <a:ext cx="477600" cy="356700"/>
+          </a:xfrm>
+          <a:prstGeom prst="straightConnector1">
+            <a:avLst/>
+          </a:prstGeom>
+          <a:noFill/>
+          <a:ln cap="flat" cmpd="sng" w="9525">
+            <a:solidFill>
+              <a:schemeClr val="dk2"/>
+            </a:solidFill>
+            <a:prstDash val="solid"/>
+            <a:round/>
+            <a:headEnd len="med" w="med" type="none"/>
+            <a:tailEnd len="med" w="med" type="none"/>
+          </a:ln>
+        </p:spPr>
+      </p:cxnSp>
+      <p:cxnSp>
+        <p:nvCxnSpPr>
+          <p:cNvPr id="86" name="Google Shape;86;p15"/>
+          <p:cNvCxnSpPr>
+            <a:stCxn id="81" idx="6"/>
+            <a:endCxn id="83" idx="2"/>
+          </p:cNvCxnSpPr>
+          <p:nvPr/>
+        </p:nvCxnSpPr>
+        <p:spPr>
+          <a:xfrm flipH="1" rot="10800000">
+            <a:off x="6600175" y="3128875"/>
+            <a:ext cx="1175400" cy="19200"/>
+          </a:xfrm>
+          <a:prstGeom prst="straightConnector1">
+            <a:avLst/>
+          </a:prstGeom>
+          <a:noFill/>
+          <a:ln cap="flat" cmpd="sng" w="9525">
+            <a:solidFill>
+              <a:schemeClr val="dk2"/>
+            </a:solidFill>
+            <a:prstDash val="solid"/>
+            <a:round/>
+            <a:headEnd len="med" w="med" type="none"/>
+            <a:tailEnd len="med" w="med" type="none"/>
+          </a:ln>
+        </p:spPr>
+      </p:cxnSp>
+      <p:sp>
+        <p:nvSpPr>
+          <p:cNvPr id="87" name="Google Shape;87;p15"/>
+          <p:cNvSpPr txBox="1"/>
+          <p:nvPr/>
+        </p:nvSpPr>
+        <p:spPr>
+          <a:xfrm>
+            <a:off x="6328800" y="3610225"/>
+            <a:ext cx="2365200" cy="1046700"/>
+          </a:xfrm>
+          <a:prstGeom prst="rect">
+            <a:avLst/>
+          </a:prstGeom>
+          <a:noFill/>
+          <a:ln>
+            <a:noFill/>
+          </a:ln>
+        </p:spPr>
+        <p:txBody>
+          <a:bodyPr anchorCtr="0" anchor="t" bIns="91425" lIns="91425" spcFirstLastPara="1" rIns="91425" wrap="square" tIns="91425">
+            <a:spAutoFit/>
+          </a:bodyPr>
+          <a:lstStyle/>
+          <a:p>
+            <a:pPr indent="0" lvl="0" marL="0" rtl="0" algn="l">
+              <a:spcBef>
+                <a:spcPts val="0"/>
+              </a:spcBef>
+              <a:spcAft>
+                <a:spcPts val="0"/>
+              </a:spcAft>
+              <a:buNone/>
+            </a:pPr>
+            <a:r>
+              <a:rPr i="1" lang="en">
+                <a:latin typeface="Roboto"/>
+                <a:ea typeface="Roboto"/>
+                <a:cs typeface="Roboto"/>
+                <a:sym typeface="Roboto"/>
+              </a:rPr>
+              <a:t>Example of closed loop use case, represented in graph, with AI/ML model as one of the actors.</a:t>
+            </a:r>
+            <a:endParaRPr i="1">
+              <a:latin typeface="Roboto"/>
+              <a:ea typeface="Roboto"/>
+              <a:cs typeface="Roboto"/>
+              <a:sym typeface="Roboto"/>
+            </a:endParaRPr>
+          </a:p>
+        </p:txBody>
+      </p:sp>
     </p:spTree>
   </p:cSld>
   <p:clrMapOvr>
@@ -8614,7 +8944,7 @@
   <p:cSld>
     <p:spTree>
       <p:nvGrpSpPr>
-        <p:cNvPr id="84" name="Shape 84"/>
+        <p:cNvPr id="91" name="Shape 91"/>
         <p:cNvGrpSpPr/>
         <p:nvPr/>
       </p:nvGrpSpPr>
@@ -8628,7 +8958,7 @@
       </p:grpSpPr>
       <p:sp>
         <p:nvSpPr>
-          <p:cNvPr id="85" name="Google Shape;85;p16"/>
+          <p:cNvPr id="92" name="Google Shape;92;p16"/>
           <p:cNvSpPr txBox="1"/>
           <p:nvPr>
             <p:ph type="title"/>
@@ -8668,7 +8998,7 @@
       </p:sp>
       <p:sp>
         <p:nvSpPr>
-          <p:cNvPr id="86" name="Google Shape;86;p16"/>
+          <p:cNvPr id="93" name="Google Shape;93;p16"/>
           <p:cNvSpPr txBox="1"/>
           <p:nvPr>
             <p:ph idx="1" type="body"/>
@@ -8677,7 +9007,7 @@
         <p:spPr>
           <a:xfrm>
             <a:off x="471900" y="1919075"/>
-            <a:ext cx="8222100" cy="2710200"/>
+            <a:ext cx="3877800" cy="2710200"/>
           </a:xfrm>
           <a:prstGeom prst="rect">
             <a:avLst/>
@@ -8685,7 +9015,7 @@
         </p:spPr>
         <p:txBody>
           <a:bodyPr anchorCtr="0" anchor="t" bIns="91425" lIns="91425" spcFirstLastPara="1" rIns="91425" wrap="square" tIns="91425">
-            <a:normAutofit/>
+            <a:normAutofit lnSpcReduction="20000"/>
           </a:bodyPr>
           <a:lstStyle/>
           <a:p>
@@ -8735,12 +9065,485 @@
             </a:pPr>
             <a:r>
               <a:rPr lang="en"/>
-              <a:t>We have new cases came every day that need expert to check for it.</a:t>
+              <a:t>We have new cases came every day that need an expert to check for it.</a:t>
             </a:r>
             <a:endParaRPr/>
           </a:p>
         </p:txBody>
       </p:sp>
+      <p:sp>
+        <p:nvSpPr>
+          <p:cNvPr id="94" name="Google Shape;94;p16"/>
+          <p:cNvSpPr/>
+          <p:nvPr/>
+        </p:nvSpPr>
+        <p:spPr>
+          <a:xfrm>
+            <a:off x="5752450" y="3050200"/>
+            <a:ext cx="902100" cy="522000"/>
+          </a:xfrm>
+          <a:prstGeom prst="ellipse">
+            <a:avLst/>
+          </a:prstGeom>
+          <a:solidFill>
+            <a:schemeClr val="lt2"/>
+          </a:solidFill>
+          <a:ln cap="flat" cmpd="sng" w="9525">
+            <a:solidFill>
+              <a:schemeClr val="dk2"/>
+            </a:solidFill>
+            <a:prstDash val="solid"/>
+            <a:round/>
+            <a:headEnd len="sm" w="sm" type="none"/>
+            <a:tailEnd len="sm" w="sm" type="none"/>
+          </a:ln>
+        </p:spPr>
+        <p:txBody>
+          <a:bodyPr anchorCtr="0" anchor="ctr" bIns="91425" lIns="91425" spcFirstLastPara="1" rIns="91425" wrap="square" tIns="91425">
+            <a:noAutofit/>
+          </a:bodyPr>
+          <a:lstStyle/>
+          <a:p>
+            <a:pPr indent="0" lvl="0" marL="0" rtl="0" algn="l">
+              <a:spcBef>
+                <a:spcPts val="0"/>
+              </a:spcBef>
+              <a:spcAft>
+                <a:spcPts val="0"/>
+              </a:spcAft>
+              <a:buNone/>
+            </a:pPr>
+            <a:r>
+              <a:rPr lang="en"/>
+              <a:t>src-1</a:t>
+            </a:r>
+            <a:endParaRPr/>
+          </a:p>
+        </p:txBody>
+      </p:sp>
+      <p:sp>
+        <p:nvSpPr>
+          <p:cNvPr id="95" name="Google Shape;95;p16"/>
+          <p:cNvSpPr/>
+          <p:nvPr/>
+        </p:nvSpPr>
+        <p:spPr>
+          <a:xfrm>
+            <a:off x="6850450" y="2305250"/>
+            <a:ext cx="848100" cy="522000"/>
+          </a:xfrm>
+          <a:prstGeom prst="ellipse">
+            <a:avLst/>
+          </a:prstGeom>
+          <a:solidFill>
+            <a:schemeClr val="lt2"/>
+          </a:solidFill>
+          <a:ln cap="flat" cmpd="sng" w="9525">
+            <a:solidFill>
+              <a:schemeClr val="dk2"/>
+            </a:solidFill>
+            <a:prstDash val="solid"/>
+            <a:round/>
+            <a:headEnd len="sm" w="sm" type="none"/>
+            <a:tailEnd len="sm" w="sm" type="none"/>
+          </a:ln>
+        </p:spPr>
+        <p:txBody>
+          <a:bodyPr anchorCtr="0" anchor="ctr" bIns="91425" lIns="91425" spcFirstLastPara="1" rIns="91425" wrap="square" tIns="91425">
+            <a:noAutofit/>
+          </a:bodyPr>
+          <a:lstStyle/>
+          <a:p>
+            <a:pPr indent="0" lvl="0" marL="0" rtl="0" algn="l">
+              <a:spcBef>
+                <a:spcPts val="0"/>
+              </a:spcBef>
+              <a:spcAft>
+                <a:spcPts val="0"/>
+              </a:spcAft>
+              <a:buNone/>
+            </a:pPr>
+            <a:r>
+              <a:rPr lang="en"/>
+              <a:t>ML-1</a:t>
+            </a:r>
+            <a:endParaRPr/>
+          </a:p>
+        </p:txBody>
+      </p:sp>
+      <p:sp>
+        <p:nvSpPr>
+          <p:cNvPr id="96" name="Google Shape;96;p16"/>
+          <p:cNvSpPr/>
+          <p:nvPr/>
+        </p:nvSpPr>
+        <p:spPr>
+          <a:xfrm>
+            <a:off x="7829950" y="3031150"/>
+            <a:ext cx="771600" cy="522000"/>
+          </a:xfrm>
+          <a:prstGeom prst="ellipse">
+            <a:avLst/>
+          </a:prstGeom>
+          <a:solidFill>
+            <a:schemeClr val="lt2"/>
+          </a:solidFill>
+          <a:ln cap="flat" cmpd="sng" w="9525">
+            <a:solidFill>
+              <a:schemeClr val="dk2"/>
+            </a:solidFill>
+            <a:prstDash val="solid"/>
+            <a:round/>
+            <a:headEnd len="sm" w="sm" type="none"/>
+            <a:tailEnd len="sm" w="sm" type="none"/>
+          </a:ln>
+        </p:spPr>
+        <p:txBody>
+          <a:bodyPr anchorCtr="0" anchor="ctr" bIns="91425" lIns="91425" spcFirstLastPara="1" rIns="91425" wrap="square" tIns="91425">
+            <a:noAutofit/>
+          </a:bodyPr>
+          <a:lstStyle/>
+          <a:p>
+            <a:pPr indent="0" lvl="0" marL="0" rtl="0" algn="l">
+              <a:spcBef>
+                <a:spcPts val="0"/>
+              </a:spcBef>
+              <a:spcAft>
+                <a:spcPts val="0"/>
+              </a:spcAft>
+              <a:buNone/>
+            </a:pPr>
+            <a:r>
+              <a:rPr lang="en"/>
+              <a:t>sink</a:t>
+            </a:r>
+            <a:endParaRPr/>
+          </a:p>
+        </p:txBody>
+      </p:sp>
+      <p:cxnSp>
+        <p:nvCxnSpPr>
+          <p:cNvPr id="97" name="Google Shape;97;p16"/>
+          <p:cNvCxnSpPr>
+            <a:stCxn id="94" idx="7"/>
+            <a:endCxn id="95" idx="3"/>
+          </p:cNvCxnSpPr>
+          <p:nvPr/>
+        </p:nvCxnSpPr>
+        <p:spPr>
+          <a:xfrm flipH="1" rot="10800000">
+            <a:off x="6522441" y="2750745"/>
+            <a:ext cx="452100" cy="375900"/>
+          </a:xfrm>
+          <a:prstGeom prst="straightConnector1">
+            <a:avLst/>
+          </a:prstGeom>
+          <a:noFill/>
+          <a:ln cap="flat" cmpd="sng" w="9525">
+            <a:solidFill>
+              <a:schemeClr val="dk2"/>
+            </a:solidFill>
+            <a:prstDash val="solid"/>
+            <a:round/>
+            <a:headEnd len="med" w="med" type="none"/>
+            <a:tailEnd len="med" w="med" type="none"/>
+          </a:ln>
+        </p:spPr>
+      </p:cxnSp>
+      <p:cxnSp>
+        <p:nvCxnSpPr>
+          <p:cNvPr id="98" name="Google Shape;98;p16"/>
+          <p:cNvCxnSpPr>
+            <a:stCxn id="95" idx="5"/>
+            <a:endCxn id="96" idx="1"/>
+          </p:cNvCxnSpPr>
+          <p:nvPr/>
+        </p:nvCxnSpPr>
+        <p:spPr>
+          <a:xfrm>
+            <a:off x="7574349" y="2750805"/>
+            <a:ext cx="368700" cy="356700"/>
+          </a:xfrm>
+          <a:prstGeom prst="straightConnector1">
+            <a:avLst/>
+          </a:prstGeom>
+          <a:noFill/>
+          <a:ln cap="flat" cmpd="sng" w="9525">
+            <a:solidFill>
+              <a:schemeClr val="dk2"/>
+            </a:solidFill>
+            <a:prstDash val="solid"/>
+            <a:round/>
+            <a:headEnd len="med" w="med" type="none"/>
+            <a:tailEnd len="med" w="med" type="none"/>
+          </a:ln>
+        </p:spPr>
+      </p:cxnSp>
+      <p:cxnSp>
+        <p:nvCxnSpPr>
+          <p:cNvPr id="99" name="Google Shape;99;p16"/>
+          <p:cNvCxnSpPr>
+            <a:stCxn id="94" idx="6"/>
+            <a:endCxn id="96" idx="2"/>
+          </p:cNvCxnSpPr>
+          <p:nvPr/>
+        </p:nvCxnSpPr>
+        <p:spPr>
+          <a:xfrm flipH="1" rot="10800000">
+            <a:off x="6654550" y="3292000"/>
+            <a:ext cx="1175400" cy="19200"/>
+          </a:xfrm>
+          <a:prstGeom prst="straightConnector1">
+            <a:avLst/>
+          </a:prstGeom>
+          <a:noFill/>
+          <a:ln cap="flat" cmpd="sng" w="9525">
+            <a:solidFill>
+              <a:schemeClr val="dk2"/>
+            </a:solidFill>
+            <a:prstDash val="solid"/>
+            <a:round/>
+            <a:headEnd len="med" w="med" type="none"/>
+            <a:tailEnd len="med" w="med" type="none"/>
+          </a:ln>
+        </p:spPr>
+      </p:cxnSp>
+      <p:sp>
+        <p:nvSpPr>
+          <p:cNvPr id="100" name="Google Shape;100;p16"/>
+          <p:cNvSpPr/>
+          <p:nvPr/>
+        </p:nvSpPr>
+        <p:spPr>
+          <a:xfrm>
+            <a:off x="6252775" y="4036950"/>
+            <a:ext cx="848100" cy="522000"/>
+          </a:xfrm>
+          <a:prstGeom prst="ellipse">
+            <a:avLst/>
+          </a:prstGeom>
+          <a:solidFill>
+            <a:schemeClr val="lt2"/>
+          </a:solidFill>
+          <a:ln cap="flat" cmpd="sng" w="9525">
+            <a:solidFill>
+              <a:schemeClr val="dk2"/>
+            </a:solidFill>
+            <a:prstDash val="solid"/>
+            <a:round/>
+            <a:headEnd len="sm" w="sm" type="none"/>
+            <a:tailEnd len="sm" w="sm" type="none"/>
+          </a:ln>
+        </p:spPr>
+        <p:txBody>
+          <a:bodyPr anchorCtr="0" anchor="ctr" bIns="91425" lIns="91425" spcFirstLastPara="1" rIns="91425" wrap="square" tIns="91425">
+            <a:noAutofit/>
+          </a:bodyPr>
+          <a:lstStyle/>
+          <a:p>
+            <a:pPr indent="0" lvl="0" marL="0" rtl="0" algn="l">
+              <a:spcBef>
+                <a:spcPts val="0"/>
+              </a:spcBef>
+              <a:spcAft>
+                <a:spcPts val="0"/>
+              </a:spcAft>
+              <a:buNone/>
+            </a:pPr>
+            <a:r>
+              <a:rPr lang="en"/>
+              <a:t>src-3</a:t>
+            </a:r>
+            <a:endParaRPr/>
+          </a:p>
+        </p:txBody>
+      </p:sp>
+      <p:sp>
+        <p:nvSpPr>
+          <p:cNvPr id="101" name="Google Shape;101;p16"/>
+          <p:cNvSpPr/>
+          <p:nvPr/>
+        </p:nvSpPr>
+        <p:spPr>
+          <a:xfrm>
+            <a:off x="4959125" y="2125900"/>
+            <a:ext cx="902100" cy="522000"/>
+          </a:xfrm>
+          <a:prstGeom prst="ellipse">
+            <a:avLst/>
+          </a:prstGeom>
+          <a:solidFill>
+            <a:schemeClr val="lt2"/>
+          </a:solidFill>
+          <a:ln cap="flat" cmpd="sng" w="9525">
+            <a:solidFill>
+              <a:schemeClr val="dk2"/>
+            </a:solidFill>
+            <a:prstDash val="solid"/>
+            <a:round/>
+            <a:headEnd len="sm" w="sm" type="none"/>
+            <a:tailEnd len="sm" w="sm" type="none"/>
+          </a:ln>
+        </p:spPr>
+        <p:txBody>
+          <a:bodyPr anchorCtr="0" anchor="ctr" bIns="91425" lIns="91425" spcFirstLastPara="1" rIns="91425" wrap="square" tIns="91425">
+            <a:noAutofit/>
+          </a:bodyPr>
+          <a:lstStyle/>
+          <a:p>
+            <a:pPr indent="0" lvl="0" marL="0" rtl="0" algn="l">
+              <a:spcBef>
+                <a:spcPts val="0"/>
+              </a:spcBef>
+              <a:spcAft>
+                <a:spcPts val="0"/>
+              </a:spcAft>
+              <a:buNone/>
+            </a:pPr>
+            <a:r>
+              <a:rPr lang="en"/>
+              <a:t>src-2</a:t>
+            </a:r>
+            <a:endParaRPr/>
+          </a:p>
+        </p:txBody>
+      </p:sp>
+      <p:sp>
+        <p:nvSpPr>
+          <p:cNvPr id="102" name="Google Shape;102;p16"/>
+          <p:cNvSpPr/>
+          <p:nvPr/>
+        </p:nvSpPr>
+        <p:spPr>
+          <a:xfrm>
+            <a:off x="7449025" y="3775950"/>
+            <a:ext cx="848100" cy="522000"/>
+          </a:xfrm>
+          <a:prstGeom prst="ellipse">
+            <a:avLst/>
+          </a:prstGeom>
+          <a:solidFill>
+            <a:schemeClr val="lt2"/>
+          </a:solidFill>
+          <a:ln cap="flat" cmpd="sng" w="9525">
+            <a:solidFill>
+              <a:schemeClr val="dk2"/>
+            </a:solidFill>
+            <a:prstDash val="solid"/>
+            <a:round/>
+            <a:headEnd len="sm" w="sm" type="none"/>
+            <a:tailEnd len="sm" w="sm" type="none"/>
+          </a:ln>
+        </p:spPr>
+        <p:txBody>
+          <a:bodyPr anchorCtr="0" anchor="ctr" bIns="91425" lIns="91425" spcFirstLastPara="1" rIns="91425" wrap="square" tIns="91425">
+            <a:noAutofit/>
+          </a:bodyPr>
+          <a:lstStyle/>
+          <a:p>
+            <a:pPr indent="0" lvl="0" marL="0" rtl="0" algn="l">
+              <a:spcBef>
+                <a:spcPts val="0"/>
+              </a:spcBef>
+              <a:spcAft>
+                <a:spcPts val="0"/>
+              </a:spcAft>
+              <a:buNone/>
+            </a:pPr>
+            <a:r>
+              <a:rPr lang="en"/>
+              <a:t>ML-2</a:t>
+            </a:r>
+            <a:endParaRPr/>
+          </a:p>
+        </p:txBody>
+      </p:sp>
+      <p:cxnSp>
+        <p:nvCxnSpPr>
+          <p:cNvPr id="103" name="Google Shape;103;p16"/>
+          <p:cNvCxnSpPr>
+            <a:endCxn id="95" idx="2"/>
+          </p:cNvCxnSpPr>
+          <p:nvPr/>
+        </p:nvCxnSpPr>
+        <p:spPr>
+          <a:xfrm>
+            <a:off x="5861350" y="2349650"/>
+            <a:ext cx="989100" cy="216600"/>
+          </a:xfrm>
+          <a:prstGeom prst="straightConnector1">
+            <a:avLst/>
+          </a:prstGeom>
+          <a:noFill/>
+          <a:ln cap="flat" cmpd="sng" w="9525">
+            <a:solidFill>
+              <a:schemeClr val="dk2"/>
+            </a:solidFill>
+            <a:prstDash val="dash"/>
+            <a:round/>
+            <a:headEnd len="med" w="med" type="none"/>
+            <a:tailEnd len="med" w="med" type="none"/>
+          </a:ln>
+        </p:spPr>
+      </p:cxnSp>
+      <p:cxnSp>
+        <p:nvCxnSpPr>
+          <p:cNvPr id="104" name="Google Shape;104;p16"/>
+          <p:cNvCxnSpPr>
+            <a:stCxn id="100" idx="7"/>
+            <a:endCxn id="102" idx="2"/>
+          </p:cNvCxnSpPr>
+          <p:nvPr/>
+        </p:nvCxnSpPr>
+        <p:spPr>
+          <a:xfrm flipH="1" rot="10800000">
+            <a:off x="6976674" y="4036895"/>
+            <a:ext cx="472500" cy="76500"/>
+          </a:xfrm>
+          <a:prstGeom prst="straightConnector1">
+            <a:avLst/>
+          </a:prstGeom>
+          <a:noFill/>
+          <a:ln cap="flat" cmpd="sng" w="9525">
+            <a:solidFill>
+              <a:schemeClr val="dk2"/>
+            </a:solidFill>
+            <a:prstDash val="dash"/>
+            <a:round/>
+            <a:headEnd len="med" w="med" type="none"/>
+            <a:tailEnd len="med" w="med" type="none"/>
+          </a:ln>
+        </p:spPr>
+      </p:cxnSp>
+      <p:cxnSp>
+        <p:nvCxnSpPr>
+          <p:cNvPr id="105" name="Google Shape;105;p16"/>
+          <p:cNvCxnSpPr>
+            <a:stCxn id="102" idx="0"/>
+            <a:endCxn id="96" idx="4"/>
+          </p:cNvCxnSpPr>
+          <p:nvPr/>
+        </p:nvCxnSpPr>
+        <p:spPr>
+          <a:xfrm flipH="1" rot="10800000">
+            <a:off x="7873075" y="3553050"/>
+            <a:ext cx="342600" cy="222900"/>
+          </a:xfrm>
+          <a:prstGeom prst="straightConnector1">
+            <a:avLst/>
+          </a:prstGeom>
+          <a:noFill/>
+          <a:ln cap="flat" cmpd="sng" w="9525">
+            <a:solidFill>
+              <a:schemeClr val="dk2"/>
+            </a:solidFill>
+            <a:prstDash val="dash"/>
+            <a:round/>
+            <a:headEnd len="med" w="med" type="none"/>
+            <a:tailEnd len="med" w="med" type="none"/>
+          </a:ln>
+        </p:spPr>
+      </p:cxnSp>
     </p:spTree>
   </p:cSld>
   <p:clrMapOvr>
@@ -8754,7 +9557,7 @@
   <p:cSld>
     <p:spTree>
       <p:nvGrpSpPr>
-        <p:cNvPr id="90" name="Shape 90"/>
+        <p:cNvPr id="109" name="Shape 109"/>
         <p:cNvGrpSpPr/>
         <p:nvPr/>
       </p:nvGrpSpPr>
@@ -8768,7 +9571,7 @@
       </p:grpSpPr>
       <p:sp>
         <p:nvSpPr>
-          <p:cNvPr id="91" name="Google Shape;91;p17"/>
+          <p:cNvPr id="110" name="Google Shape;110;p17"/>
           <p:cNvSpPr txBox="1"/>
           <p:nvPr>
             <p:ph type="title"/>
@@ -8808,7 +9611,7 @@
       </p:sp>
       <p:sp>
         <p:nvSpPr>
-          <p:cNvPr id="92" name="Google Shape;92;p17"/>
+          <p:cNvPr id="111" name="Google Shape;111;p17"/>
           <p:cNvSpPr/>
           <p:nvPr/>
         </p:nvSpPr>
@@ -8857,7 +9660,7 @@
       </p:sp>
       <p:sp>
         <p:nvSpPr>
-          <p:cNvPr id="93" name="Google Shape;93;p17"/>
+          <p:cNvPr id="112" name="Google Shape;112;p17"/>
           <p:cNvSpPr/>
           <p:nvPr/>
         </p:nvSpPr>
@@ -8909,7 +9712,7 @@
       </p:sp>
       <p:sp>
         <p:nvSpPr>
-          <p:cNvPr id="94" name="Google Shape;94;p17"/>
+          <p:cNvPr id="113" name="Google Shape;113;p17"/>
           <p:cNvSpPr/>
           <p:nvPr/>
         </p:nvSpPr>
@@ -8961,7 +9764,7 @@
       </p:sp>
       <p:sp>
         <p:nvSpPr>
-          <p:cNvPr id="95" name="Google Shape;95;p17"/>
+          <p:cNvPr id="114" name="Google Shape;114;p17"/>
           <p:cNvSpPr/>
           <p:nvPr/>
         </p:nvSpPr>
@@ -9013,7 +9816,7 @@
       </p:sp>
       <p:sp>
         <p:nvSpPr>
-          <p:cNvPr id="96" name="Google Shape;96;p17"/>
+          <p:cNvPr id="115" name="Google Shape;115;p17"/>
           <p:cNvSpPr/>
           <p:nvPr/>
         </p:nvSpPr>
@@ -9063,7 +9866,7 @@
       </p:sp>
       <p:sp>
         <p:nvSpPr>
-          <p:cNvPr id="97" name="Google Shape;97;p17"/>
+          <p:cNvPr id="116" name="Google Shape;116;p17"/>
           <p:cNvSpPr/>
           <p:nvPr/>
         </p:nvSpPr>
@@ -9115,7 +9918,7 @@
       </p:sp>
       <p:sp>
         <p:nvSpPr>
-          <p:cNvPr id="98" name="Google Shape;98;p17"/>
+          <p:cNvPr id="117" name="Google Shape;117;p17"/>
           <p:cNvSpPr/>
           <p:nvPr/>
         </p:nvSpPr>
@@ -9167,7 +9970,7 @@
       </p:sp>
       <p:sp>
         <p:nvSpPr>
-          <p:cNvPr id="99" name="Google Shape;99;p17"/>
+          <p:cNvPr id="118" name="Google Shape;118;p17"/>
           <p:cNvSpPr/>
           <p:nvPr/>
         </p:nvSpPr>
@@ -9219,7 +10022,7 @@
       </p:sp>
       <p:sp>
         <p:nvSpPr>
-          <p:cNvPr id="100" name="Google Shape;100;p17"/>
+          <p:cNvPr id="119" name="Google Shape;119;p17"/>
           <p:cNvSpPr txBox="1"/>
           <p:nvPr/>
         </p:nvSpPr>
@@ -9261,10 +10064,10 @@
       </p:sp>
       <p:cxnSp>
         <p:nvCxnSpPr>
-          <p:cNvPr id="101" name="Google Shape;101;p17"/>
+          <p:cNvPr id="120" name="Google Shape;120;p17"/>
           <p:cNvCxnSpPr>
-            <a:stCxn id="93" idx="3"/>
-            <a:endCxn id="96" idx="1"/>
+            <a:stCxn id="112" idx="3"/>
+            <a:endCxn id="115" idx="1"/>
           </p:cNvCxnSpPr>
           <p:nvPr/>
         </p:nvCxnSpPr>
@@ -9292,10 +10095,10 @@
       </p:cxnSp>
       <p:cxnSp>
         <p:nvCxnSpPr>
-          <p:cNvPr id="102" name="Google Shape;102;p17"/>
+          <p:cNvPr id="121" name="Google Shape;121;p17"/>
           <p:cNvCxnSpPr>
-            <a:stCxn id="94" idx="3"/>
-            <a:endCxn id="96" idx="1"/>
+            <a:stCxn id="113" idx="3"/>
+            <a:endCxn id="115" idx="1"/>
           </p:cNvCxnSpPr>
           <p:nvPr/>
         </p:nvCxnSpPr>
@@ -9323,10 +10126,10 @@
       </p:cxnSp>
       <p:cxnSp>
         <p:nvCxnSpPr>
-          <p:cNvPr id="103" name="Google Shape;103;p17"/>
+          <p:cNvPr id="122" name="Google Shape;122;p17"/>
           <p:cNvCxnSpPr>
-            <a:stCxn id="95" idx="3"/>
-            <a:endCxn id="96" idx="1"/>
+            <a:stCxn id="114" idx="3"/>
+            <a:endCxn id="115" idx="1"/>
           </p:cNvCxnSpPr>
           <p:nvPr/>
         </p:nvCxnSpPr>
@@ -9354,10 +10157,10 @@
       </p:cxnSp>
       <p:cxnSp>
         <p:nvCxnSpPr>
-          <p:cNvPr id="104" name="Google Shape;104;p17"/>
+          <p:cNvPr id="123" name="Google Shape;123;p17"/>
           <p:cNvCxnSpPr>
-            <a:stCxn id="96" idx="3"/>
-            <a:endCxn id="97" idx="1"/>
+            <a:stCxn id="115" idx="3"/>
+            <a:endCxn id="116" idx="1"/>
           </p:cNvCxnSpPr>
           <p:nvPr/>
         </p:nvCxnSpPr>
@@ -9385,10 +10188,10 @@
       </p:cxnSp>
       <p:cxnSp>
         <p:nvCxnSpPr>
-          <p:cNvPr id="105" name="Google Shape;105;p17"/>
+          <p:cNvPr id="124" name="Google Shape;124;p17"/>
           <p:cNvCxnSpPr>
-            <a:stCxn id="96" idx="2"/>
-            <a:endCxn id="98" idx="0"/>
+            <a:stCxn id="115" idx="2"/>
+            <a:endCxn id="117" idx="0"/>
           </p:cNvCxnSpPr>
           <p:nvPr/>
         </p:nvCxnSpPr>
@@ -9416,10 +10219,10 @@
       </p:cxnSp>
       <p:cxnSp>
         <p:nvCxnSpPr>
-          <p:cNvPr id="106" name="Google Shape;106;p17"/>
+          <p:cNvPr id="125" name="Google Shape;125;p17"/>
           <p:cNvCxnSpPr>
-            <a:stCxn id="97" idx="3"/>
-            <a:endCxn id="98" idx="0"/>
+            <a:stCxn id="116" idx="3"/>
+            <a:endCxn id="117" idx="0"/>
           </p:cNvCxnSpPr>
           <p:nvPr/>
         </p:nvCxnSpPr>
@@ -9445,10 +10248,10 @@
       </p:cxnSp>
       <p:cxnSp>
         <p:nvCxnSpPr>
-          <p:cNvPr id="107" name="Google Shape;107;p17"/>
+          <p:cNvPr id="126" name="Google Shape;126;p17"/>
           <p:cNvCxnSpPr>
-            <a:stCxn id="98" idx="2"/>
-            <a:endCxn id="99" idx="3"/>
+            <a:stCxn id="117" idx="2"/>
+            <a:endCxn id="118" idx="3"/>
           </p:cNvCxnSpPr>
           <p:nvPr/>
         </p:nvCxnSpPr>
@@ -9474,10 +10277,10 @@
       </p:cxnSp>
       <p:cxnSp>
         <p:nvCxnSpPr>
-          <p:cNvPr id="108" name="Google Shape;108;p17"/>
+          <p:cNvPr id="127" name="Google Shape;127;p17"/>
           <p:cNvCxnSpPr>
-            <a:stCxn id="99" idx="1"/>
-            <a:endCxn id="92" idx="2"/>
+            <a:stCxn id="118" idx="1"/>
+            <a:endCxn id="111" idx="2"/>
           </p:cNvCxnSpPr>
           <p:nvPr/>
         </p:nvCxnSpPr>
@@ -9503,7 +10306,7 @@
       </p:cxnSp>
       <p:sp>
         <p:nvSpPr>
-          <p:cNvPr id="109" name="Google Shape;109;p17"/>
+          <p:cNvPr id="128" name="Google Shape;128;p17"/>
           <p:cNvSpPr txBox="1"/>
           <p:nvPr/>
         </p:nvSpPr>
@@ -9545,7 +10348,7 @@
       </p:sp>
       <p:sp>
         <p:nvSpPr>
-          <p:cNvPr id="110" name="Google Shape;110;p17"/>
+          <p:cNvPr id="129" name="Google Shape;129;p17"/>
           <p:cNvSpPr txBox="1"/>
           <p:nvPr/>
         </p:nvSpPr>
@@ -9587,7 +10390,7 @@
       </p:sp>
       <p:sp>
         <p:nvSpPr>
-          <p:cNvPr id="111" name="Google Shape;111;p17"/>
+          <p:cNvPr id="130" name="Google Shape;130;p17"/>
           <p:cNvSpPr txBox="1"/>
           <p:nvPr/>
         </p:nvSpPr>
@@ -9640,7 +10443,7 @@
   <p:cSld>
     <p:spTree>
       <p:nvGrpSpPr>
-        <p:cNvPr id="115" name="Shape 115"/>
+        <p:cNvPr id="134" name="Shape 134"/>
         <p:cNvGrpSpPr/>
         <p:nvPr/>
       </p:nvGrpSpPr>
@@ -9654,7 +10457,7 @@
       </p:grpSpPr>
       <p:sp>
         <p:nvSpPr>
-          <p:cNvPr id="116" name="Google Shape;116;p18"/>
+          <p:cNvPr id="135" name="Google Shape;135;p18"/>
           <p:cNvSpPr/>
           <p:nvPr/>
         </p:nvSpPr>
@@ -9706,7 +10509,7 @@
       </p:sp>
       <p:sp>
         <p:nvSpPr>
-          <p:cNvPr id="117" name="Google Shape;117;p18"/>
+          <p:cNvPr id="136" name="Google Shape;136;p18"/>
           <p:cNvSpPr/>
           <p:nvPr/>
         </p:nvSpPr>
@@ -9758,7 +10561,7 @@
       </p:sp>
       <p:sp>
         <p:nvSpPr>
-          <p:cNvPr id="118" name="Google Shape;118;p18"/>
+          <p:cNvPr id="137" name="Google Shape;137;p18"/>
           <p:cNvSpPr/>
           <p:nvPr/>
         </p:nvSpPr>
@@ -9810,7 +10613,7 @@
       </p:sp>
       <p:sp>
         <p:nvSpPr>
-          <p:cNvPr id="119" name="Google Shape;119;p18"/>
+          <p:cNvPr id="138" name="Google Shape;138;p18"/>
           <p:cNvSpPr/>
           <p:nvPr/>
         </p:nvSpPr>
@@ -9862,7 +10665,7 @@
       </p:sp>
       <p:sp>
         <p:nvSpPr>
-          <p:cNvPr id="120" name="Google Shape;120;p18"/>
+          <p:cNvPr id="139" name="Google Shape;139;p18"/>
           <p:cNvSpPr/>
           <p:nvPr/>
         </p:nvSpPr>
@@ -9914,7 +10717,7 @@
       </p:sp>
       <p:sp>
         <p:nvSpPr>
-          <p:cNvPr id="121" name="Google Shape;121;p18"/>
+          <p:cNvPr id="140" name="Google Shape;140;p18"/>
           <p:cNvSpPr/>
           <p:nvPr/>
         </p:nvSpPr>
@@ -9966,7 +10769,7 @@
       </p:sp>
       <p:pic>
         <p:nvPicPr>
-          <p:cNvPr id="122" name="Google Shape;122;p18"/>
+          <p:cNvPr id="141" name="Google Shape;141;p18"/>
           <p:cNvPicPr preferRelativeResize="0"/>
           <p:nvPr/>
         </p:nvPicPr>
@@ -9993,7 +10796,7 @@
       </p:pic>
       <p:sp>
         <p:nvSpPr>
-          <p:cNvPr id="123" name="Google Shape;123;p18"/>
+          <p:cNvPr id="142" name="Google Shape;142;p18"/>
           <p:cNvSpPr txBox="1"/>
           <p:nvPr/>
         </p:nvSpPr>
@@ -10035,7 +10838,7 @@
       </p:sp>
       <p:pic>
         <p:nvPicPr>
-          <p:cNvPr id="124" name="Google Shape;124;p18"/>
+          <p:cNvPr id="143" name="Google Shape;143;p18"/>
           <p:cNvPicPr preferRelativeResize="0"/>
           <p:nvPr/>
         </p:nvPicPr>
@@ -10062,7 +10865,7 @@
       </p:pic>
       <p:sp>
         <p:nvSpPr>
-          <p:cNvPr id="125" name="Google Shape;125;p18"/>
+          <p:cNvPr id="144" name="Google Shape;144;p18"/>
           <p:cNvSpPr txBox="1"/>
           <p:nvPr/>
         </p:nvSpPr>
@@ -10108,10 +10911,10 @@
       </p:sp>
       <p:cxnSp>
         <p:nvCxnSpPr>
-          <p:cNvPr id="126" name="Google Shape;126;p18"/>
+          <p:cNvPr id="145" name="Google Shape;145;p18"/>
           <p:cNvCxnSpPr>
-            <a:stCxn id="116" idx="1"/>
-            <a:endCxn id="117" idx="0"/>
+            <a:stCxn id="135" idx="1"/>
+            <a:endCxn id="136" idx="0"/>
           </p:cNvCxnSpPr>
           <p:nvPr/>
         </p:nvCxnSpPr>
@@ -10137,10 +10940,10 @@
       </p:cxnSp>
       <p:cxnSp>
         <p:nvCxnSpPr>
-          <p:cNvPr id="127" name="Google Shape;127;p18"/>
+          <p:cNvPr id="146" name="Google Shape;146;p18"/>
           <p:cNvCxnSpPr>
-            <a:stCxn id="116" idx="2"/>
-            <a:endCxn id="118" idx="0"/>
+            <a:stCxn id="135" idx="2"/>
+            <a:endCxn id="137" idx="0"/>
           </p:cNvCxnSpPr>
           <p:nvPr/>
         </p:nvCxnSpPr>
@@ -10168,10 +10971,10 @@
       </p:cxnSp>
       <p:cxnSp>
         <p:nvCxnSpPr>
-          <p:cNvPr id="128" name="Google Shape;128;p18"/>
+          <p:cNvPr id="147" name="Google Shape;147;p18"/>
           <p:cNvCxnSpPr>
-            <a:stCxn id="116" idx="3"/>
-            <a:endCxn id="119" idx="0"/>
+            <a:stCxn id="135" idx="3"/>
+            <a:endCxn id="138" idx="0"/>
           </p:cNvCxnSpPr>
           <p:nvPr/>
         </p:nvCxnSpPr>
@@ -10197,10 +11000,10 @@
       </p:cxnSp>
       <p:cxnSp>
         <p:nvCxnSpPr>
-          <p:cNvPr id="129" name="Google Shape;129;p18"/>
+          <p:cNvPr id="148" name="Google Shape;148;p18"/>
           <p:cNvCxnSpPr>
-            <a:stCxn id="119" idx="3"/>
-            <a:endCxn id="121" idx="0"/>
+            <a:stCxn id="138" idx="3"/>
+            <a:endCxn id="140" idx="0"/>
           </p:cNvCxnSpPr>
           <p:nvPr/>
         </p:nvCxnSpPr>
@@ -10226,10 +11029,10 @@
       </p:cxnSp>
       <p:cxnSp>
         <p:nvCxnSpPr>
-          <p:cNvPr id="130" name="Google Shape;130;p18"/>
+          <p:cNvPr id="149" name="Google Shape;149;p18"/>
           <p:cNvCxnSpPr>
-            <a:stCxn id="119" idx="1"/>
-            <a:endCxn id="120" idx="0"/>
+            <a:stCxn id="138" idx="1"/>
+            <a:endCxn id="139" idx="0"/>
           </p:cNvCxnSpPr>
           <p:nvPr/>
         </p:nvCxnSpPr>
@@ -10255,10 +11058,10 @@
       </p:cxnSp>
       <p:cxnSp>
         <p:nvCxnSpPr>
-          <p:cNvPr id="131" name="Google Shape;131;p18"/>
+          <p:cNvPr id="150" name="Google Shape;150;p18"/>
           <p:cNvCxnSpPr>
-            <a:stCxn id="117" idx="2"/>
-            <a:endCxn id="122" idx="0"/>
+            <a:stCxn id="136" idx="2"/>
+            <a:endCxn id="141" idx="0"/>
           </p:cNvCxnSpPr>
           <p:nvPr/>
         </p:nvCxnSpPr>
@@ -10286,10 +11089,10 @@
       </p:cxnSp>
       <p:cxnSp>
         <p:nvCxnSpPr>
-          <p:cNvPr id="132" name="Google Shape;132;p18"/>
+          <p:cNvPr id="151" name="Google Shape;151;p18"/>
           <p:cNvCxnSpPr>
-            <a:stCxn id="118" idx="2"/>
-            <a:endCxn id="122" idx="0"/>
+            <a:stCxn id="137" idx="2"/>
+            <a:endCxn id="141" idx="0"/>
           </p:cNvCxnSpPr>
           <p:nvPr/>
         </p:nvCxnSpPr>
@@ -10317,10 +11120,10 @@
       </p:cxnSp>
       <p:cxnSp>
         <p:nvCxnSpPr>
-          <p:cNvPr id="133" name="Google Shape;133;p18"/>
+          <p:cNvPr id="152" name="Google Shape;152;p18"/>
           <p:cNvCxnSpPr>
-            <a:stCxn id="121" idx="2"/>
-            <a:endCxn id="124" idx="0"/>
+            <a:stCxn id="140" idx="2"/>
+            <a:endCxn id="143" idx="0"/>
           </p:cNvCxnSpPr>
           <p:nvPr/>
         </p:nvCxnSpPr>
@@ -10348,7 +11151,7 @@
       </p:cxnSp>
       <p:sp>
         <p:nvSpPr>
-          <p:cNvPr id="134" name="Google Shape;134;p18"/>
+          <p:cNvPr id="153" name="Google Shape;153;p18"/>
           <p:cNvSpPr txBox="1"/>
           <p:nvPr>
             <p:ph idx="1" type="body"/>
@@ -10399,7 +11202,7 @@
   <p:cSld>
     <p:spTree>
       <p:nvGrpSpPr>
-        <p:cNvPr id="138" name="Shape 138"/>
+        <p:cNvPr id="157" name="Shape 157"/>
         <p:cNvGrpSpPr/>
         <p:nvPr/>
       </p:nvGrpSpPr>
@@ -10413,7 +11216,7 @@
       </p:grpSpPr>
       <p:cxnSp>
         <p:nvCxnSpPr>
-          <p:cNvPr id="139" name="Google Shape;139;p19"/>
+          <p:cNvPr id="158" name="Google Shape;158;p19"/>
           <p:cNvCxnSpPr/>
           <p:nvPr/>
         </p:nvCxnSpPr>
@@ -10439,7 +11242,7 @@
       </p:cxnSp>
       <p:cxnSp>
         <p:nvCxnSpPr>
-          <p:cNvPr id="140" name="Google Shape;140;p19"/>
+          <p:cNvPr id="159" name="Google Shape;159;p19"/>
           <p:cNvCxnSpPr/>
           <p:nvPr/>
         </p:nvCxnSpPr>
@@ -10465,7 +11268,7 @@
       </p:cxnSp>
       <p:sp>
         <p:nvSpPr>
-          <p:cNvPr id="141" name="Google Shape;141;p19"/>
+          <p:cNvPr id="160" name="Google Shape;160;p19"/>
           <p:cNvSpPr txBox="1"/>
           <p:nvPr/>
         </p:nvSpPr>
@@ -10507,7 +11310,7 @@
       </p:sp>
       <p:sp>
         <p:nvSpPr>
-          <p:cNvPr id="142" name="Google Shape;142;p19"/>
+          <p:cNvPr id="161" name="Google Shape;161;p19"/>
           <p:cNvSpPr txBox="1"/>
           <p:nvPr/>
         </p:nvSpPr>
@@ -10553,7 +11356,7 @@
       </p:sp>
       <p:sp>
         <p:nvSpPr>
-          <p:cNvPr id="143" name="Google Shape;143;p19"/>
+          <p:cNvPr id="162" name="Google Shape;162;p19"/>
           <p:cNvSpPr txBox="1"/>
           <p:nvPr/>
         </p:nvSpPr>
@@ -10599,7 +11402,7 @@
       </p:sp>
       <p:sp>
         <p:nvSpPr>
-          <p:cNvPr id="144" name="Google Shape;144;p19"/>
+          <p:cNvPr id="163" name="Google Shape;163;p19"/>
           <p:cNvSpPr/>
           <p:nvPr/>
         </p:nvSpPr>
@@ -10651,7 +11454,7 @@
       </p:sp>
       <p:sp>
         <p:nvSpPr>
-          <p:cNvPr id="145" name="Google Shape;145;p19"/>
+          <p:cNvPr id="164" name="Google Shape;164;p19"/>
           <p:cNvSpPr/>
           <p:nvPr/>
         </p:nvSpPr>
@@ -10703,7 +11506,7 @@
       </p:sp>
       <p:sp>
         <p:nvSpPr>
-          <p:cNvPr id="146" name="Google Shape;146;p19"/>
+          <p:cNvPr id="165" name="Google Shape;165;p19"/>
           <p:cNvSpPr/>
           <p:nvPr/>
         </p:nvSpPr>
@@ -10759,7 +11562,7 @@
       </p:sp>
       <p:sp>
         <p:nvSpPr>
-          <p:cNvPr id="147" name="Google Shape;147;p19"/>
+          <p:cNvPr id="166" name="Google Shape;166;p19"/>
           <p:cNvSpPr/>
           <p:nvPr/>
         </p:nvSpPr>
@@ -10811,7 +11614,7 @@
       </p:sp>
       <p:sp>
         <p:nvSpPr>
-          <p:cNvPr id="148" name="Google Shape;148;p19"/>
+          <p:cNvPr id="167" name="Google Shape;167;p19"/>
           <p:cNvSpPr/>
           <p:nvPr/>
         </p:nvSpPr>
@@ -10863,7 +11666,7 @@
       </p:sp>
       <p:sp>
         <p:nvSpPr>
-          <p:cNvPr id="149" name="Google Shape;149;p19"/>
+          <p:cNvPr id="168" name="Google Shape;168;p19"/>
           <p:cNvSpPr/>
           <p:nvPr/>
         </p:nvSpPr>
@@ -10915,10 +11718,10 @@
       </p:sp>
       <p:cxnSp>
         <p:nvCxnSpPr>
-          <p:cNvPr id="150" name="Google Shape;150;p19"/>
+          <p:cNvPr id="169" name="Google Shape;169;p19"/>
           <p:cNvCxnSpPr>
-            <a:stCxn id="144" idx="3"/>
-            <a:endCxn id="147" idx="0"/>
+            <a:stCxn id="163" idx="3"/>
+            <a:endCxn id="166" idx="0"/>
           </p:cNvCxnSpPr>
           <p:nvPr/>
         </p:nvCxnSpPr>
@@ -10944,10 +11747,10 @@
       </p:cxnSp>
       <p:cxnSp>
         <p:nvCxnSpPr>
-          <p:cNvPr id="151" name="Google Shape;151;p19"/>
+          <p:cNvPr id="170" name="Google Shape;170;p19"/>
           <p:cNvCxnSpPr>
-            <a:stCxn id="145" idx="3"/>
-            <a:endCxn id="147" idx="1"/>
+            <a:stCxn id="164" idx="3"/>
+            <a:endCxn id="166" idx="1"/>
           </p:cNvCxnSpPr>
           <p:nvPr/>
         </p:nvCxnSpPr>
@@ -10975,10 +11778,10 @@
       </p:cxnSp>
       <p:cxnSp>
         <p:nvCxnSpPr>
-          <p:cNvPr id="152" name="Google Shape;152;p19"/>
+          <p:cNvPr id="171" name="Google Shape;171;p19"/>
           <p:cNvCxnSpPr>
-            <a:stCxn id="146" idx="3"/>
-            <a:endCxn id="147" idx="2"/>
+            <a:stCxn id="165" idx="3"/>
+            <a:endCxn id="166" idx="2"/>
           </p:cNvCxnSpPr>
           <p:nvPr/>
         </p:nvCxnSpPr>
@@ -11004,10 +11807,10 @@
       </p:cxnSp>
       <p:cxnSp>
         <p:nvCxnSpPr>
-          <p:cNvPr id="153" name="Google Shape;153;p19"/>
+          <p:cNvPr id="172" name="Google Shape;172;p19"/>
           <p:cNvCxnSpPr>
-            <a:stCxn id="147" idx="3"/>
-            <a:endCxn id="148" idx="1"/>
+            <a:stCxn id="166" idx="3"/>
+            <a:endCxn id="167" idx="1"/>
           </p:cNvCxnSpPr>
           <p:nvPr/>
         </p:nvCxnSpPr>
@@ -11033,10 +11836,10 @@
       </p:cxnSp>
       <p:cxnSp>
         <p:nvCxnSpPr>
-          <p:cNvPr id="154" name="Google Shape;154;p19"/>
+          <p:cNvPr id="173" name="Google Shape;173;p19"/>
           <p:cNvCxnSpPr>
-            <a:stCxn id="148" idx="3"/>
-            <a:endCxn id="149" idx="1"/>
+            <a:stCxn id="167" idx="3"/>
+            <a:endCxn id="168" idx="1"/>
           </p:cNvCxnSpPr>
           <p:nvPr/>
         </p:nvCxnSpPr>
@@ -11062,7 +11865,7 @@
       </p:cxnSp>
       <p:sp>
         <p:nvSpPr>
-          <p:cNvPr id="155" name="Google Shape;155;p19"/>
+          <p:cNvPr id="174" name="Google Shape;174;p19"/>
           <p:cNvSpPr txBox="1"/>
           <p:nvPr>
             <p:ph idx="1" type="body"/>
@@ -11113,7 +11916,7 @@
   <p:cSld>
     <p:spTree>
       <p:nvGrpSpPr>
-        <p:cNvPr id="159" name="Shape 159"/>
+        <p:cNvPr id="178" name="Shape 178"/>
         <p:cNvGrpSpPr/>
         <p:nvPr/>
       </p:nvGrpSpPr>
@@ -11127,7 +11930,7 @@
       </p:grpSpPr>
       <p:sp>
         <p:nvSpPr>
-          <p:cNvPr id="160" name="Google Shape;160;p20"/>
+          <p:cNvPr id="179" name="Google Shape;179;p20"/>
           <p:cNvSpPr txBox="1"/>
           <p:nvPr>
             <p:ph type="title"/>
@@ -11167,7 +11970,7 @@
       </p:sp>
       <p:pic>
         <p:nvPicPr>
-          <p:cNvPr id="161" name="Google Shape;161;p20"/>
+          <p:cNvPr id="180" name="Google Shape;180;p20"/>
           <p:cNvPicPr preferRelativeResize="0"/>
           <p:nvPr/>
         </p:nvPicPr>
@@ -11195,7 +11998,7 @@
       </p:pic>
       <p:pic>
         <p:nvPicPr>
-          <p:cNvPr id="162" name="Google Shape;162;p20"/>
+          <p:cNvPr id="181" name="Google Shape;181;p20"/>
           <p:cNvPicPr preferRelativeResize="0"/>
           <p:nvPr/>
         </p:nvPicPr>
@@ -11223,7 +12026,7 @@
       </p:pic>
       <p:pic>
         <p:nvPicPr>
-          <p:cNvPr id="163" name="Google Shape;163;p20"/>
+          <p:cNvPr id="182" name="Google Shape;182;p20"/>
           <p:cNvPicPr preferRelativeResize="0"/>
           <p:nvPr/>
         </p:nvPicPr>
@@ -11251,7 +12054,7 @@
       </p:pic>
       <p:pic>
         <p:nvPicPr>
-          <p:cNvPr id="164" name="Google Shape;164;p20"/>
+          <p:cNvPr id="183" name="Google Shape;183;p20"/>
           <p:cNvPicPr preferRelativeResize="0"/>
           <p:nvPr/>
         </p:nvPicPr>
@@ -11279,7 +12082,7 @@
       </p:pic>
       <p:sp>
         <p:nvSpPr>
-          <p:cNvPr id="165" name="Google Shape;165;p20"/>
+          <p:cNvPr id="184" name="Google Shape;184;p20"/>
           <p:cNvSpPr txBox="1"/>
           <p:nvPr/>
         </p:nvSpPr>
@@ -11331,7 +12134,7 @@
       </p:sp>
       <p:sp>
         <p:nvSpPr>
-          <p:cNvPr id="166" name="Google Shape;166;p20"/>
+          <p:cNvPr id="185" name="Google Shape;185;p20"/>
           <p:cNvSpPr txBox="1"/>
           <p:nvPr/>
         </p:nvSpPr>
@@ -11383,7 +12186,7 @@
       </p:sp>
       <p:sp>
         <p:nvSpPr>
-          <p:cNvPr id="167" name="Google Shape;167;p20"/>
+          <p:cNvPr id="186" name="Google Shape;186;p20"/>
           <p:cNvSpPr txBox="1"/>
           <p:nvPr/>
         </p:nvSpPr>
@@ -11435,7 +12238,7 @@
       </p:sp>
       <p:sp>
         <p:nvSpPr>
-          <p:cNvPr id="168" name="Google Shape;168;p20"/>
+          <p:cNvPr id="187" name="Google Shape;187;p20"/>
           <p:cNvSpPr txBox="1"/>
           <p:nvPr/>
         </p:nvSpPr>
@@ -11498,7 +12301,7 @@
   <p:cSld>
     <p:spTree>
       <p:nvGrpSpPr>
-        <p:cNvPr id="172" name="Shape 172"/>
+        <p:cNvPr id="191" name="Shape 191"/>
         <p:cNvGrpSpPr/>
         <p:nvPr/>
       </p:nvGrpSpPr>
@@ -11512,7 +12315,7 @@
       </p:grpSpPr>
       <p:sp>
         <p:nvSpPr>
-          <p:cNvPr id="173" name="Google Shape;173;p21"/>
+          <p:cNvPr id="192" name="Google Shape;192;p21"/>
           <p:cNvSpPr txBox="1"/>
           <p:nvPr>
             <p:ph type="title"/>
@@ -11552,7 +12355,7 @@
       </p:sp>
       <p:pic>
         <p:nvPicPr>
-          <p:cNvPr id="174" name="Google Shape;174;p21"/>
+          <p:cNvPr id="193" name="Google Shape;193;p21"/>
           <p:cNvPicPr preferRelativeResize="0"/>
           <p:nvPr/>
         </p:nvPicPr>
@@ -11580,7 +12383,7 @@
       </p:pic>
       <p:pic>
         <p:nvPicPr>
-          <p:cNvPr id="175" name="Google Shape;175;p21"/>
+          <p:cNvPr id="194" name="Google Shape;194;p21"/>
           <p:cNvPicPr preferRelativeResize="0"/>
           <p:nvPr/>
         </p:nvPicPr>
@@ -11608,7 +12411,7 @@
       </p:pic>
       <p:pic>
         <p:nvPicPr>
-          <p:cNvPr id="176" name="Google Shape;176;p21"/>
+          <p:cNvPr id="195" name="Google Shape;195;p21"/>
           <p:cNvPicPr preferRelativeResize="0"/>
           <p:nvPr/>
         </p:nvPicPr>
@@ -11636,7 +12439,7 @@
       </p:pic>
       <p:pic>
         <p:nvPicPr>
-          <p:cNvPr id="177" name="Google Shape;177;p21"/>
+          <p:cNvPr id="196" name="Google Shape;196;p21"/>
           <p:cNvPicPr preferRelativeResize="0"/>
           <p:nvPr/>
         </p:nvPicPr>
@@ -11664,7 +12467,7 @@
       </p:pic>
       <p:sp>
         <p:nvSpPr>
-          <p:cNvPr id="178" name="Google Shape;178;p21"/>
+          <p:cNvPr id="197" name="Google Shape;197;p21"/>
           <p:cNvSpPr txBox="1"/>
           <p:nvPr/>
         </p:nvSpPr>
@@ -11716,7 +12519,7 @@
       </p:sp>
       <p:sp>
         <p:nvSpPr>
-          <p:cNvPr id="179" name="Google Shape;179;p21"/>
+          <p:cNvPr id="198" name="Google Shape;198;p21"/>
           <p:cNvSpPr txBox="1"/>
           <p:nvPr/>
         </p:nvSpPr>
@@ -11768,7 +12571,7 @@
       </p:sp>
       <p:sp>
         <p:nvSpPr>
-          <p:cNvPr id="180" name="Google Shape;180;p21"/>
+          <p:cNvPr id="199" name="Google Shape;199;p21"/>
           <p:cNvSpPr txBox="1"/>
           <p:nvPr/>
         </p:nvSpPr>
@@ -11820,7 +12623,7 @@
       </p:sp>
       <p:sp>
         <p:nvSpPr>
-          <p:cNvPr id="181" name="Google Shape;181;p21"/>
+          <p:cNvPr id="200" name="Google Shape;200;p21"/>
           <p:cNvSpPr txBox="1"/>
           <p:nvPr/>
         </p:nvSpPr>
@@ -11872,7 +12675,7 @@
       </p:sp>
       <p:pic>
         <p:nvPicPr>
-          <p:cNvPr id="182" name="Google Shape;182;p21"/>
+          <p:cNvPr id="201" name="Google Shape;201;p21"/>
           <p:cNvPicPr preferRelativeResize="0"/>
           <p:nvPr/>
         </p:nvPicPr>
@@ -11900,7 +12703,7 @@
       </p:pic>
       <p:sp>
         <p:nvSpPr>
-          <p:cNvPr id="183" name="Google Shape;183;p21"/>
+          <p:cNvPr id="202" name="Google Shape;202;p21"/>
           <p:cNvSpPr txBox="1"/>
           <p:nvPr/>
         </p:nvSpPr>
@@ -11959,6 +12762,285 @@
 </file>
 
 <file path=ppt/theme/theme1.xml><?xml version="1.0" encoding="utf-8"?>
+<a:theme xmlns:a="http://schemas.openxmlformats.org/drawingml/2006/main" xmlns:r="http://schemas.openxmlformats.org/officeDocument/2006/relationships" name="Material">
+  <a:themeElements>
+    <a:clrScheme name="Material">
+      <a:dk1>
+        <a:srgbClr val="4285F4"/>
+      </a:dk1>
+      <a:lt1>
+        <a:srgbClr val="FFFFFF"/>
+      </a:lt1>
+      <a:dk2>
+        <a:srgbClr val="424242"/>
+      </a:dk2>
+      <a:lt2>
+        <a:srgbClr val="737373"/>
+      </a:lt2>
+      <a:accent1>
+        <a:srgbClr val="0277BD"/>
+      </a:accent1>
+      <a:accent2>
+        <a:srgbClr val="0F9D58"/>
+      </a:accent2>
+      <a:accent3>
+        <a:srgbClr val="DB4437"/>
+      </a:accent3>
+      <a:accent4>
+        <a:srgbClr val="FAFAFA"/>
+      </a:accent4>
+      <a:accent5>
+        <a:srgbClr val="1A237E"/>
+      </a:accent5>
+      <a:accent6>
+        <a:srgbClr val="F4B400"/>
+      </a:accent6>
+      <a:hlink>
+        <a:srgbClr val="1A237E"/>
+      </a:hlink>
+      <a:folHlink>
+        <a:srgbClr val="1A237E"/>
+      </a:folHlink>
+    </a:clrScheme>
+    <a:fontScheme name="Office">
+      <a:majorFont>
+        <a:latin typeface="Arial"/>
+        <a:ea typeface=""/>
+        <a:cs typeface=""/>
+        <a:font script="Jpan" typeface="ＭＳ Ｐゴシック"/>
+        <a:font script="Hang" typeface="맑은 고딕"/>
+        <a:font script="Hans" typeface="宋体"/>
+        <a:font script="Hant" typeface="新細明體"/>
+        <a:font script="Arab" typeface="Times New Roman"/>
+        <a:font script="Hebr" typeface="Times New Roman"/>
+        <a:font script="Thai" typeface="Angsana New"/>
+        <a:font script="Ethi" typeface="Nyala"/>
+        <a:font script="Beng" typeface="Vrinda"/>
+        <a:font script="Gujr" typeface="Shruti"/>
+        <a:font script="Khmr" typeface="MoolBoran"/>
+        <a:font script="Knda" typeface="Tunga"/>
+        <a:font script="Guru" typeface="Raavi"/>
+        <a:font script="Cans" typeface="Euphemia"/>
+        <a:font script="Cher" typeface="Plantagenet Cherokee"/>
+        <a:font script="Yiii" typeface="Microsoft Yi Baiti"/>
+        <a:font script="Tibt" typeface="Microsoft Himalaya"/>
+        <a:font script="Thaa" typeface="MV Boli"/>
+        <a:font script="Deva" typeface="Mangal"/>
+        <a:font script="Telu" typeface="Gautami"/>
+        <a:font script="Taml" typeface="Latha"/>
+        <a:font script="Syrc" typeface="Estrangelo Edessa"/>
+        <a:font script="Orya" typeface="Kalinga"/>
+        <a:font script="Mlym" typeface="Kartika"/>
+        <a:font script="Laoo" typeface="DokChampa"/>
+        <a:font script="Sinh" typeface="Iskoola Pota"/>
+        <a:font script="Mong" typeface="Mongolian Baiti"/>
+        <a:font script="Viet" typeface="Times New Roman"/>
+        <a:font script="Uigh" typeface="Microsoft Uighur"/>
+        <a:font script="Geor" typeface="Sylfaen"/>
+      </a:majorFont>
+      <a:minorFont>
+        <a:latin typeface="Arial"/>
+        <a:ea typeface=""/>
+        <a:cs typeface=""/>
+        <a:font script="Jpan" typeface="ＭＳ Ｐゴシック"/>
+        <a:font script="Hang" typeface="맑은 고딕"/>
+        <a:font script="Hans" typeface="宋体"/>
+        <a:font script="Hant" typeface="新細明體"/>
+        <a:font script="Arab" typeface="Arial"/>
+        <a:font script="Hebr" typeface="Arial"/>
+        <a:font script="Thai" typeface="Cordia New"/>
+        <a:font script="Ethi" typeface="Nyala"/>
+        <a:font script="Beng" typeface="Vrinda"/>
+        <a:font script="Gujr" typeface="Shruti"/>
+        <a:font script="Khmr" typeface="DaunPenh"/>
+        <a:font script="Knda" typeface="Tunga"/>
+        <a:font script="Guru" typeface="Raavi"/>
+        <a:font script="Cans" typeface="Euphemia"/>
+        <a:font script="Cher" typeface="Plantagenet Cherokee"/>
+        <a:font script="Yiii" typeface="Microsoft Yi Baiti"/>
+        <a:font script="Tibt" typeface="Microsoft Himalaya"/>
+        <a:font script="Thaa" typeface="MV Boli"/>
+        <a:font script="Deva" typeface="Mangal"/>
+        <a:font script="Telu" typeface="Gautami"/>
+        <a:font script="Taml" typeface="Latha"/>
+        <a:font script="Syrc" typeface="Estrangelo Edessa"/>
+        <a:font script="Orya" typeface="Kalinga"/>
+        <a:font script="Mlym" typeface="Kartika"/>
+        <a:font script="Laoo" typeface="DokChampa"/>
+        <a:font script="Sinh" typeface="Iskoola Pota"/>
+        <a:font script="Mong" typeface="Mongolian Baiti"/>
+        <a:font script="Viet" typeface="Arial"/>
+        <a:font script="Uigh" typeface="Microsoft Uighur"/>
+        <a:font script="Geor" typeface="Sylfaen"/>
+      </a:minorFont>
+    </a:fontScheme>
+    <a:fmtScheme name="Office">
+      <a:fillStyleLst>
+        <a:solidFill>
+          <a:schemeClr val="phClr"/>
+        </a:solidFill>
+        <a:gradFill rotWithShape="1">
+          <a:gsLst>
+            <a:gs pos="0">
+              <a:schemeClr val="phClr">
+                <a:tint val="50000"/>
+                <a:satMod val="300000"/>
+              </a:schemeClr>
+            </a:gs>
+            <a:gs pos="35000">
+              <a:schemeClr val="phClr">
+                <a:tint val="37000"/>
+                <a:satMod val="300000"/>
+              </a:schemeClr>
+            </a:gs>
+            <a:gs pos="100000">
+              <a:schemeClr val="phClr">
+                <a:tint val="15000"/>
+                <a:satMod val="350000"/>
+              </a:schemeClr>
+            </a:gs>
+          </a:gsLst>
+          <a:lin ang="16200000" scaled="1"/>
+        </a:gradFill>
+        <a:gradFill rotWithShape="1">
+          <a:gsLst>
+            <a:gs pos="0">
+              <a:schemeClr val="phClr">
+                <a:tint val="100000"/>
+                <a:shade val="100000"/>
+                <a:satMod val="130000"/>
+              </a:schemeClr>
+            </a:gs>
+            <a:gs pos="100000">
+              <a:schemeClr val="phClr">
+                <a:tint val="50000"/>
+                <a:shade val="100000"/>
+                <a:satMod val="350000"/>
+              </a:schemeClr>
+            </a:gs>
+          </a:gsLst>
+          <a:lin ang="16200000" scaled="0"/>
+        </a:gradFill>
+      </a:fillStyleLst>
+      <a:lnStyleLst>
+        <a:ln w="9525" cap="flat" cmpd="sng" algn="ctr">
+          <a:solidFill>
+            <a:schemeClr val="phClr">
+              <a:shade val="95000"/>
+              <a:satMod val="105000"/>
+            </a:schemeClr>
+          </a:solidFill>
+          <a:prstDash val="solid"/>
+        </a:ln>
+        <a:ln w="25400" cap="flat" cmpd="sng" algn="ctr">
+          <a:solidFill>
+            <a:schemeClr val="phClr"/>
+          </a:solidFill>
+          <a:prstDash val="solid"/>
+        </a:ln>
+        <a:ln w="38100" cap="flat" cmpd="sng" algn="ctr">
+          <a:solidFill>
+            <a:schemeClr val="phClr"/>
+          </a:solidFill>
+          <a:prstDash val="solid"/>
+        </a:ln>
+      </a:lnStyleLst>
+      <a:effectStyleLst>
+        <a:effectStyle>
+          <a:effectLst>
+            <a:outerShdw blurRad="40000" dist="20000" dir="5400000" rotWithShape="0">
+              <a:srgbClr val="000000">
+                <a:alpha val="38000"/>
+              </a:srgbClr>
+            </a:outerShdw>
+          </a:effectLst>
+        </a:effectStyle>
+        <a:effectStyle>
+          <a:effectLst>
+            <a:outerShdw blurRad="40000" dist="23000" dir="5400000" rotWithShape="0">
+              <a:srgbClr val="000000">
+                <a:alpha val="35000"/>
+              </a:srgbClr>
+            </a:outerShdw>
+          </a:effectLst>
+        </a:effectStyle>
+        <a:effectStyle>
+          <a:effectLst>
+            <a:outerShdw blurRad="40000" dist="23000" dir="5400000" rotWithShape="0">
+              <a:srgbClr val="000000">
+                <a:alpha val="35000"/>
+              </a:srgbClr>
+            </a:outerShdw>
+          </a:effectLst>
+          <a:scene3d>
+            <a:camera prst="orthographicFront">
+              <a:rot lat="0" lon="0" rev="0"/>
+            </a:camera>
+            <a:lightRig rig="threePt" dir="t">
+              <a:rot lat="0" lon="0" rev="1200000"/>
+            </a:lightRig>
+          </a:scene3d>
+          <a:sp3d>
+            <a:bevelT w="63500" h="25400"/>
+          </a:sp3d>
+        </a:effectStyle>
+      </a:effectStyleLst>
+      <a:bgFillStyleLst>
+        <a:solidFill>
+          <a:schemeClr val="phClr"/>
+        </a:solidFill>
+        <a:gradFill rotWithShape="1">
+          <a:gsLst>
+            <a:gs pos="0">
+              <a:schemeClr val="phClr">
+                <a:tint val="40000"/>
+                <a:satMod val="350000"/>
+              </a:schemeClr>
+            </a:gs>
+            <a:gs pos="40000">
+              <a:schemeClr val="phClr">
+                <a:tint val="45000"/>
+                <a:shade val="99000"/>
+                <a:satMod val="350000"/>
+              </a:schemeClr>
+            </a:gs>
+            <a:gs pos="100000">
+              <a:schemeClr val="phClr">
+                <a:shade val="20000"/>
+                <a:satMod val="255000"/>
+              </a:schemeClr>
+            </a:gs>
+          </a:gsLst>
+          <a:path path="circle">
+            <a:fillToRect l="50000" t="-80000" r="50000" b="180000"/>
+          </a:path>
+        </a:gradFill>
+        <a:gradFill rotWithShape="1">
+          <a:gsLst>
+            <a:gs pos="0">
+              <a:schemeClr val="phClr">
+                <a:tint val="80000"/>
+                <a:satMod val="300000"/>
+              </a:schemeClr>
+            </a:gs>
+            <a:gs pos="100000">
+              <a:schemeClr val="phClr">
+                <a:shade val="30000"/>
+                <a:satMod val="200000"/>
+              </a:schemeClr>
+            </a:gs>
+          </a:gsLst>
+          <a:path path="circle">
+            <a:fillToRect l="50000" t="50000" r="50000" b="50000"/>
+          </a:path>
+        </a:gradFill>
+      </a:bgFillStyleLst>
+    </a:fmtScheme>
+  </a:themeElements>
+</a:theme>
+</file>
+
+<file path=ppt/theme/theme2.xml><?xml version="1.0" encoding="utf-8"?>
 <a:theme xmlns:a="http://schemas.openxmlformats.org/drawingml/2006/main" xmlns:r="http://schemas.openxmlformats.org/officeDocument/2006/relationships">
   <a:themeElements>
     <a:clrScheme name="Default">
@@ -12235,283 +13317,4 @@
     </a:fmtScheme>
   </a:themeElements>
 </a:theme>
-</file>
-
-<file path=ppt/theme/theme2.xml><?xml version="1.0" encoding="utf-8"?>
-<a:theme xmlns:a="http://schemas.openxmlformats.org/drawingml/2006/main" xmlns:r="http://schemas.openxmlformats.org/officeDocument/2006/relationships" name="Material">
-  <a:themeElements>
-    <a:clrScheme name="Material">
-      <a:dk1>
-        <a:srgbClr val="4285F4"/>
-      </a:dk1>
-      <a:lt1>
-        <a:srgbClr val="FFFFFF"/>
-      </a:lt1>
-      <a:dk2>
-        <a:srgbClr val="424242"/>
-      </a:dk2>
-      <a:lt2>
-        <a:srgbClr val="737373"/>
-      </a:lt2>
-      <a:accent1>
-        <a:srgbClr val="0277BD"/>
-      </a:accent1>
-      <a:accent2>
-        <a:srgbClr val="0F9D58"/>
-      </a:accent2>
-      <a:accent3>
-        <a:srgbClr val="DB4437"/>
-      </a:accent3>
-      <a:accent4>
-        <a:srgbClr val="FAFAFA"/>
-      </a:accent4>
-      <a:accent5>
-        <a:srgbClr val="1A237E"/>
-      </a:accent5>
-      <a:accent6>
-        <a:srgbClr val="F4B400"/>
-      </a:accent6>
-      <a:hlink>
-        <a:srgbClr val="1A237E"/>
-      </a:hlink>
-      <a:folHlink>
-        <a:srgbClr val="1A237E"/>
-      </a:folHlink>
-    </a:clrScheme>
-    <a:fontScheme name="Office">
-      <a:majorFont>
-        <a:latin typeface="Arial"/>
-        <a:ea typeface=""/>
-        <a:cs typeface=""/>
-        <a:font script="Jpan" typeface="ＭＳ Ｐゴシック"/>
-        <a:font script="Hang" typeface="맑은 고딕"/>
-        <a:font script="Hans" typeface="宋体"/>
-        <a:font script="Hant" typeface="新細明體"/>
-        <a:font script="Arab" typeface="Times New Roman"/>
-        <a:font script="Hebr" typeface="Times New Roman"/>
-        <a:font script="Thai" typeface="Angsana New"/>
-        <a:font script="Ethi" typeface="Nyala"/>
-        <a:font script="Beng" typeface="Vrinda"/>
-        <a:font script="Gujr" typeface="Shruti"/>
-        <a:font script="Khmr" typeface="MoolBoran"/>
-        <a:font script="Knda" typeface="Tunga"/>
-        <a:font script="Guru" typeface="Raavi"/>
-        <a:font script="Cans" typeface="Euphemia"/>
-        <a:font script="Cher" typeface="Plantagenet Cherokee"/>
-        <a:font script="Yiii" typeface="Microsoft Yi Baiti"/>
-        <a:font script="Tibt" typeface="Microsoft Himalaya"/>
-        <a:font script="Thaa" typeface="MV Boli"/>
-        <a:font script="Deva" typeface="Mangal"/>
-        <a:font script="Telu" typeface="Gautami"/>
-        <a:font script="Taml" typeface="Latha"/>
-        <a:font script="Syrc" typeface="Estrangelo Edessa"/>
-        <a:font script="Orya" typeface="Kalinga"/>
-        <a:font script="Mlym" typeface="Kartika"/>
-        <a:font script="Laoo" typeface="DokChampa"/>
-        <a:font script="Sinh" typeface="Iskoola Pota"/>
-        <a:font script="Mong" typeface="Mongolian Baiti"/>
-        <a:font script="Viet" typeface="Times New Roman"/>
-        <a:font script="Uigh" typeface="Microsoft Uighur"/>
-        <a:font script="Geor" typeface="Sylfaen"/>
-      </a:majorFont>
-      <a:minorFont>
-        <a:latin typeface="Arial"/>
-        <a:ea typeface=""/>
-        <a:cs typeface=""/>
-        <a:font script="Jpan" typeface="ＭＳ Ｐゴシック"/>
-        <a:font script="Hang" typeface="맑은 고딕"/>
-        <a:font script="Hans" typeface="宋体"/>
-        <a:font script="Hant" typeface="新細明體"/>
-        <a:font script="Arab" typeface="Arial"/>
-        <a:font script="Hebr" typeface="Arial"/>
-        <a:font script="Thai" typeface="Cordia New"/>
-        <a:font script="Ethi" typeface="Nyala"/>
-        <a:font script="Beng" typeface="Vrinda"/>
-        <a:font script="Gujr" typeface="Shruti"/>
-        <a:font script="Khmr" typeface="DaunPenh"/>
-        <a:font script="Knda" typeface="Tunga"/>
-        <a:font script="Guru" typeface="Raavi"/>
-        <a:font script="Cans" typeface="Euphemia"/>
-        <a:font script="Cher" typeface="Plantagenet Cherokee"/>
-        <a:font script="Yiii" typeface="Microsoft Yi Baiti"/>
-        <a:font script="Tibt" typeface="Microsoft Himalaya"/>
-        <a:font script="Thaa" typeface="MV Boli"/>
-        <a:font script="Deva" typeface="Mangal"/>
-        <a:font script="Telu" typeface="Gautami"/>
-        <a:font script="Taml" typeface="Latha"/>
-        <a:font script="Syrc" typeface="Estrangelo Edessa"/>
-        <a:font script="Orya" typeface="Kalinga"/>
-        <a:font script="Mlym" typeface="Kartika"/>
-        <a:font script="Laoo" typeface="DokChampa"/>
-        <a:font script="Sinh" typeface="Iskoola Pota"/>
-        <a:font script="Mong" typeface="Mongolian Baiti"/>
-        <a:font script="Viet" typeface="Arial"/>
-        <a:font script="Uigh" typeface="Microsoft Uighur"/>
-        <a:font script="Geor" typeface="Sylfaen"/>
-      </a:minorFont>
-    </a:fontScheme>
-    <a:fmtScheme name="Office">
-      <a:fillStyleLst>
-        <a:solidFill>
-          <a:schemeClr val="phClr"/>
-        </a:solidFill>
-        <a:gradFill rotWithShape="1">
-          <a:gsLst>
-            <a:gs pos="0">
-              <a:schemeClr val="phClr">
-                <a:tint val="50000"/>
-                <a:satMod val="300000"/>
-              </a:schemeClr>
-            </a:gs>
-            <a:gs pos="35000">
-              <a:schemeClr val="phClr">
-                <a:tint val="37000"/>
-                <a:satMod val="300000"/>
-              </a:schemeClr>
-            </a:gs>
-            <a:gs pos="100000">
-              <a:schemeClr val="phClr">
-                <a:tint val="15000"/>
-                <a:satMod val="350000"/>
-              </a:schemeClr>
-            </a:gs>
-          </a:gsLst>
-          <a:lin ang="16200000" scaled="1"/>
-        </a:gradFill>
-        <a:gradFill rotWithShape="1">
-          <a:gsLst>
-            <a:gs pos="0">
-              <a:schemeClr val="phClr">
-                <a:tint val="100000"/>
-                <a:shade val="100000"/>
-                <a:satMod val="130000"/>
-              </a:schemeClr>
-            </a:gs>
-            <a:gs pos="100000">
-              <a:schemeClr val="phClr">
-                <a:tint val="50000"/>
-                <a:shade val="100000"/>
-                <a:satMod val="350000"/>
-              </a:schemeClr>
-            </a:gs>
-          </a:gsLst>
-          <a:lin ang="16200000" scaled="0"/>
-        </a:gradFill>
-      </a:fillStyleLst>
-      <a:lnStyleLst>
-        <a:ln w="9525" cap="flat" cmpd="sng" algn="ctr">
-          <a:solidFill>
-            <a:schemeClr val="phClr">
-              <a:shade val="95000"/>
-              <a:satMod val="105000"/>
-            </a:schemeClr>
-          </a:solidFill>
-          <a:prstDash val="solid"/>
-        </a:ln>
-        <a:ln w="25400" cap="flat" cmpd="sng" algn="ctr">
-          <a:solidFill>
-            <a:schemeClr val="phClr"/>
-          </a:solidFill>
-          <a:prstDash val="solid"/>
-        </a:ln>
-        <a:ln w="38100" cap="flat" cmpd="sng" algn="ctr">
-          <a:solidFill>
-            <a:schemeClr val="phClr"/>
-          </a:solidFill>
-          <a:prstDash val="solid"/>
-        </a:ln>
-      </a:lnStyleLst>
-      <a:effectStyleLst>
-        <a:effectStyle>
-          <a:effectLst>
-            <a:outerShdw blurRad="40000" dist="20000" dir="5400000" rotWithShape="0">
-              <a:srgbClr val="000000">
-                <a:alpha val="38000"/>
-              </a:srgbClr>
-            </a:outerShdw>
-          </a:effectLst>
-        </a:effectStyle>
-        <a:effectStyle>
-          <a:effectLst>
-            <a:outerShdw blurRad="40000" dist="23000" dir="5400000" rotWithShape="0">
-              <a:srgbClr val="000000">
-                <a:alpha val="35000"/>
-              </a:srgbClr>
-            </a:outerShdw>
-          </a:effectLst>
-        </a:effectStyle>
-        <a:effectStyle>
-          <a:effectLst>
-            <a:outerShdw blurRad="40000" dist="23000" dir="5400000" rotWithShape="0">
-              <a:srgbClr val="000000">
-                <a:alpha val="35000"/>
-              </a:srgbClr>
-            </a:outerShdw>
-          </a:effectLst>
-          <a:scene3d>
-            <a:camera prst="orthographicFront">
-              <a:rot lat="0" lon="0" rev="0"/>
-            </a:camera>
-            <a:lightRig rig="threePt" dir="t">
-              <a:rot lat="0" lon="0" rev="1200000"/>
-            </a:lightRig>
-          </a:scene3d>
-          <a:sp3d>
-            <a:bevelT w="63500" h="25400"/>
-          </a:sp3d>
-        </a:effectStyle>
-      </a:effectStyleLst>
-      <a:bgFillStyleLst>
-        <a:solidFill>
-          <a:schemeClr val="phClr"/>
-        </a:solidFill>
-        <a:gradFill rotWithShape="1">
-          <a:gsLst>
-            <a:gs pos="0">
-              <a:schemeClr val="phClr">
-                <a:tint val="40000"/>
-                <a:satMod val="350000"/>
-              </a:schemeClr>
-            </a:gs>
-            <a:gs pos="40000">
-              <a:schemeClr val="phClr">
-                <a:tint val="45000"/>
-                <a:shade val="99000"/>
-                <a:satMod val="350000"/>
-              </a:schemeClr>
-            </a:gs>
-            <a:gs pos="100000">
-              <a:schemeClr val="phClr">
-                <a:shade val="20000"/>
-                <a:satMod val="255000"/>
-              </a:schemeClr>
-            </a:gs>
-          </a:gsLst>
-          <a:path path="circle">
-            <a:fillToRect l="50000" t="-80000" r="50000" b="180000"/>
-          </a:path>
-        </a:gradFill>
-        <a:gradFill rotWithShape="1">
-          <a:gsLst>
-            <a:gs pos="0">
-              <a:schemeClr val="phClr">
-                <a:tint val="80000"/>
-                <a:satMod val="300000"/>
-              </a:schemeClr>
-            </a:gs>
-            <a:gs pos="100000">
-              <a:schemeClr val="phClr">
-                <a:shade val="30000"/>
-                <a:satMod val="200000"/>
-              </a:schemeClr>
-            </a:gs>
-          </a:gsLst>
-          <a:path path="circle">
-            <a:fillToRect l="50000" t="50000" r="50000" b="50000"/>
-          </a:path>
-        </a:gradFill>
-      </a:bgFillStyleLst>
-    </a:fmtScheme>
-  </a:themeElements>
-</a:theme>
 </file>